--- a/angular.pptx
+++ b/angular.pptx
@@ -5,7 +5,7 @@
     <p:sldMasterId id="2147483756" r:id="rId1"/>
   </p:sldMasterIdLst>
   <p:notesMasterIdLst>
-    <p:notesMasterId r:id="rId15"/>
+    <p:notesMasterId r:id="rId16"/>
   </p:notesMasterIdLst>
   <p:sldIdLst>
     <p:sldId id="589" r:id="rId2"/>
@@ -19,13 +19,14 @@
     <p:sldId id="599" r:id="rId10"/>
     <p:sldId id="596" r:id="rId11"/>
     <p:sldId id="597" r:id="rId12"/>
-    <p:sldId id="598" r:id="rId13"/>
-    <p:sldId id="601" r:id="rId14"/>
+    <p:sldId id="602" r:id="rId13"/>
+    <p:sldId id="598" r:id="rId14"/>
+    <p:sldId id="601" r:id="rId15"/>
   </p:sldIdLst>
   <p:sldSz cx="9144000" cy="6858000" type="screen4x3"/>
   <p:notesSz cx="6858000" cy="9926638"/>
   <p:custDataLst>
-    <p:tags r:id="rId16"/>
+    <p:tags r:id="rId17"/>
   </p:custDataLst>
   <p:defaultTextStyle>
     <a:defPPr>
@@ -833,7 +834,7 @@
     </p:spTree>
     <p:extLst>
       <p:ext uri="{BB962C8B-B14F-4D97-AF65-F5344CB8AC3E}">
-        <p14:creationId xmlns:p14="http://schemas.microsoft.com/office/powerpoint/2010/main" val="2096942105"/>
+        <p14:creationId xmlns:p14="http://schemas.microsoft.com/office/powerpoint/2010/main" val="1445817144"/>
       </p:ext>
     </p:extLst>
   </p:cSld>
@@ -909,6 +910,90 @@
             <a:fld id="{2F967223-AFC9-419A-974D-4BB4787C1D31}" type="slidenum">
               <a:rPr lang="de-DE" smtClean="0"/>
               <a:t>13</a:t>
+            </a:fld>
+            <a:endParaRPr lang="de-DE"/>
+          </a:p>
+        </p:txBody>
+      </p:sp>
+    </p:spTree>
+    <p:extLst>
+      <p:ext uri="{BB962C8B-B14F-4D97-AF65-F5344CB8AC3E}">
+        <p14:creationId xmlns:p14="http://schemas.microsoft.com/office/powerpoint/2010/main" val="2096942105"/>
+      </p:ext>
+    </p:extLst>
+  </p:cSld>
+  <p:clrMapOvr>
+    <a:masterClrMapping/>
+  </p:clrMapOvr>
+</p:notes>
+</file>
+
+<file path=ppt/notesSlides/notesSlide14.xml><?xml version="1.0" encoding="utf-8"?>
+<p:notes xmlns:a="http://schemas.openxmlformats.org/drawingml/2006/main" xmlns:r="http://schemas.openxmlformats.org/officeDocument/2006/relationships" xmlns:p="http://schemas.openxmlformats.org/presentationml/2006/main">
+  <p:cSld>
+    <p:spTree>
+      <p:nvGrpSpPr>
+        <p:cNvPr id="1" name=""/>
+        <p:cNvGrpSpPr/>
+        <p:nvPr/>
+      </p:nvGrpSpPr>
+      <p:grpSpPr>
+        <a:xfrm>
+          <a:off x="0" y="0"/>
+          <a:ext cx="0" cy="0"/>
+          <a:chOff x="0" y="0"/>
+          <a:chExt cx="0" cy="0"/>
+        </a:xfrm>
+      </p:grpSpPr>
+      <p:sp>
+        <p:nvSpPr>
+          <p:cNvPr id="2" name="Folienbildplatzhalter 1"/>
+          <p:cNvSpPr>
+            <a:spLocks noGrp="1" noRot="1" noChangeAspect="1"/>
+          </p:cNvSpPr>
+          <p:nvPr>
+            <p:ph type="sldImg"/>
+          </p:nvPr>
+        </p:nvSpPr>
+        <p:spPr/>
+      </p:sp>
+      <p:sp>
+        <p:nvSpPr>
+          <p:cNvPr id="3" name="Notizenplatzhalter 2"/>
+          <p:cNvSpPr>
+            <a:spLocks noGrp="1"/>
+          </p:cNvSpPr>
+          <p:nvPr>
+            <p:ph type="body" idx="1"/>
+          </p:nvPr>
+        </p:nvSpPr>
+        <p:spPr/>
+        <p:txBody>
+          <a:bodyPr/>
+          <a:lstStyle/>
+          <a:p>
+            <a:endParaRPr lang="de-DE"/>
+          </a:p>
+        </p:txBody>
+      </p:sp>
+      <p:sp>
+        <p:nvSpPr>
+          <p:cNvPr id="4" name="Foliennummernplatzhalter 3"/>
+          <p:cNvSpPr>
+            <a:spLocks noGrp="1"/>
+          </p:cNvSpPr>
+          <p:nvPr>
+            <p:ph type="sldNum" sz="quarter" idx="10"/>
+          </p:nvPr>
+        </p:nvSpPr>
+        <p:spPr/>
+        <p:txBody>
+          <a:bodyPr/>
+          <a:lstStyle/>
+          <a:p>
+            <a:fld id="{2F967223-AFC9-419A-974D-4BB4787C1D31}" type="slidenum">
+              <a:rPr lang="de-DE" smtClean="0"/>
+              <a:t>14</a:t>
             </a:fld>
             <a:endParaRPr lang="de-DE"/>
           </a:p>
@@ -1641,7 +1726,7 @@
           <a:graphicData uri="http://schemas.openxmlformats.org/presentationml/2006/ole">
             <mc:AlternateContent xmlns:mc="http://schemas.openxmlformats.org/markup-compatibility/2006">
               <mc:Choice xmlns:v="urn:schemas-microsoft-com:vml" Requires="v">
-                <p:oleObj spid="_x0000_s52365" name="think-cell Folie" r:id="rId4" imgW="460" imgH="457" progId="TCLayout.ActiveDocument.1">
+                <p:oleObj spid="_x0000_s52367" name="think-cell Folie" r:id="rId4" imgW="460" imgH="457" progId="TCLayout.ActiveDocument.1">
                   <p:embed/>
                 </p:oleObj>
               </mc:Choice>
@@ -2863,7 +2948,7 @@
           <a:graphicData uri="http://schemas.openxmlformats.org/presentationml/2006/ole">
             <mc:AlternateContent xmlns:mc="http://schemas.openxmlformats.org/markup-compatibility/2006">
               <mc:Choice xmlns:v="urn:schemas-microsoft-com:vml" Requires="v">
-                <p:oleObj spid="_x0000_s49310" name="think-cell Folie" r:id="rId8" imgW="460" imgH="457" progId="TCLayout.ActiveDocument.1">
+                <p:oleObj spid="_x0000_s49312" name="think-cell Folie" r:id="rId8" imgW="460" imgH="457" progId="TCLayout.ActiveDocument.1">
                   <p:embed/>
                 </p:oleObj>
               </mc:Choice>
@@ -5012,8 +5097,8 @@
               <a:buChar char="•"/>
             </a:pPr>
             <a:r>
-              <a:rPr lang="en-GB" altLang="de-DE" sz="2400" dirty="0" err="1" smtClean="0"/>
-              <a:t>dgfdgdf</a:t>
+              <a:rPr lang="en-GB" altLang="de-DE" sz="2400" dirty="0" smtClean="0"/>
+              <a:t>Input</a:t>
             </a:r>
             <a:endParaRPr lang="en-GB" altLang="de-DE" sz="2400" dirty="0" smtClean="0"/>
           </a:p>
@@ -5037,6 +5122,493 @@
               <a:buChar char="•"/>
             </a:pPr>
             <a:endParaRPr lang="en-GB" altLang="de-DE" sz="2400" dirty="0" smtClean="0"/>
+          </a:p>
+        </p:txBody>
+      </p:sp>
+      <p:sp>
+        <p:nvSpPr>
+          <p:cNvPr id="9" name="Rectangle 4"/>
+          <p:cNvSpPr>
+            <a:spLocks noChangeArrowheads="1"/>
+          </p:cNvSpPr>
+          <p:nvPr/>
+        </p:nvSpPr>
+        <p:spPr bwMode="auto">
+          <a:xfrm>
+            <a:off x="744583" y="2213079"/>
+            <a:ext cx="4628190" cy="338554"/>
+          </a:xfrm>
+          <a:prstGeom prst="rect">
+            <a:avLst/>
+          </a:prstGeom>
+          <a:solidFill>
+            <a:srgbClr val="FFFFFF"/>
+          </a:solidFill>
+          <a:ln>
+            <a:noFill/>
+          </a:ln>
+          <a:effectLst/>
+          <a:extLst>
+            <a:ext uri="{91240B29-F687-4F45-9708-019B960494DF}">
+              <a14:hiddenLine xmlns:a14="http://schemas.microsoft.com/office/drawing/2010/main" w="9525">
+                <a:solidFill>
+                  <a:schemeClr val="tx1"/>
+                </a:solidFill>
+                <a:miter lim="800000"/>
+                <a:headEnd/>
+                <a:tailEnd/>
+              </a14:hiddenLine>
+            </a:ext>
+            <a:ext uri="{AF507438-7753-43E0-B8FC-AC1667EBCBE1}">
+              <a14:hiddenEffects xmlns:a14="http://schemas.microsoft.com/office/drawing/2010/main">
+                <a:effectLst>
+                  <a:outerShdw dist="35921" dir="2700000" algn="ctr" rotWithShape="0">
+                    <a:schemeClr val="bg2"/>
+                  </a:outerShdw>
+                </a:effectLst>
+              </a14:hiddenEffects>
+            </a:ext>
+          </a:extLst>
+        </p:spPr>
+        <p:txBody>
+          <a:bodyPr vert="horz" wrap="none" lIns="91440" tIns="45720" rIns="91440" bIns="45720" numCol="1" anchor="ctr" anchorCtr="0" compatLnSpc="1">
+            <a:prstTxWarp prst="textNoShape">
+              <a:avLst/>
+            </a:prstTxWarp>
+            <a:spAutoFit/>
+          </a:bodyPr>
+          <a:lstStyle/>
+          <a:p>
+            <a:pPr marL="0" marR="0" lvl="0" indent="0" algn="l" defTabSz="914400" rtl="0" eaLnBrk="0" fontAlgn="base" latinLnBrk="0" hangingPunct="0">
+              <a:lnSpc>
+                <a:spcPct val="100000"/>
+              </a:lnSpc>
+              <a:spcBef>
+                <a:spcPct val="0"/>
+              </a:spcBef>
+              <a:spcAft>
+                <a:spcPct val="0"/>
+              </a:spcAft>
+              <a:buClrTx/>
+              <a:buSzTx/>
+              <a:buFontTx/>
+              <a:buNone/>
+              <a:tabLst/>
+            </a:pPr>
+            <a:r>
+              <a:rPr kumimoji="0" lang="de-DE" altLang="de-DE" sz="1600" b="0" i="0" u="none" strike="noStrike" cap="none" normalizeH="0" baseline="0" dirty="0" smtClean="0">
+                <a:ln>
+                  <a:noFill/>
+                </a:ln>
+                <a:solidFill>
+                  <a:srgbClr val="000000"/>
+                </a:solidFill>
+                <a:effectLst/>
+                <a:latin typeface="Courier New" panose="02070309020205020404" pitchFamily="49" charset="0"/>
+                <a:cs typeface="Courier New" panose="02070309020205020404" pitchFamily="49" charset="0"/>
+              </a:rPr>
+              <a:t>&lt;</a:t>
+            </a:r>
+            <a:r>
+              <a:rPr kumimoji="0" lang="de-DE" altLang="de-DE" sz="1600" b="1" i="0" u="none" strike="noStrike" cap="none" normalizeH="0" baseline="0" dirty="0" err="1" smtClean="0">
+                <a:ln>
+                  <a:noFill/>
+                </a:ln>
+                <a:solidFill>
+                  <a:srgbClr val="000080"/>
+                </a:solidFill>
+                <a:effectLst/>
+                <a:latin typeface="Courier New" panose="02070309020205020404" pitchFamily="49" charset="0"/>
+                <a:cs typeface="Courier New" panose="02070309020205020404" pitchFamily="49" charset="0"/>
+              </a:rPr>
+              <a:t>app</a:t>
+            </a:r>
+            <a:r>
+              <a:rPr kumimoji="0" lang="de-DE" altLang="de-DE" sz="1600" b="1" i="0" u="none" strike="noStrike" cap="none" normalizeH="0" baseline="0" dirty="0" smtClean="0">
+                <a:ln>
+                  <a:noFill/>
+                </a:ln>
+                <a:solidFill>
+                  <a:srgbClr val="000080"/>
+                </a:solidFill>
+                <a:effectLst/>
+                <a:latin typeface="Courier New" panose="02070309020205020404" pitchFamily="49" charset="0"/>
+                <a:cs typeface="Courier New" panose="02070309020205020404" pitchFamily="49" charset="0"/>
+              </a:rPr>
+              <a:t>-liga </a:t>
+            </a:r>
+            <a:r>
+              <a:rPr kumimoji="0" lang="de-DE" altLang="de-DE" sz="1600" b="1" i="0" u="none" strike="noStrike" cap="none" normalizeH="0" baseline="0" dirty="0" smtClean="0">
+                <a:ln>
+                  <a:noFill/>
+                </a:ln>
+                <a:solidFill>
+                  <a:srgbClr val="0000FF"/>
+                </a:solidFill>
+                <a:effectLst/>
+                <a:latin typeface="Courier New" panose="02070309020205020404" pitchFamily="49" charset="0"/>
+                <a:cs typeface="Courier New" panose="02070309020205020404" pitchFamily="49" charset="0"/>
+              </a:rPr>
+              <a:t>[</a:t>
+            </a:r>
+            <a:r>
+              <a:rPr kumimoji="0" lang="de-DE" altLang="de-DE" sz="1600" b="1" i="0" u="none" strike="noStrike" cap="none" normalizeH="0" baseline="0" dirty="0" err="1" smtClean="0">
+                <a:ln>
+                  <a:noFill/>
+                </a:ln>
+                <a:solidFill>
+                  <a:srgbClr val="0000FF"/>
+                </a:solidFill>
+                <a:effectLst/>
+                <a:latin typeface="Courier New" panose="02070309020205020404" pitchFamily="49" charset="0"/>
+                <a:cs typeface="Courier New" panose="02070309020205020404" pitchFamily="49" charset="0"/>
+              </a:rPr>
+              <a:t>liga</a:t>
+            </a:r>
+            <a:r>
+              <a:rPr kumimoji="0" lang="de-DE" altLang="de-DE" sz="1600" b="1" i="0" u="none" strike="noStrike" cap="none" normalizeH="0" baseline="0" dirty="0" smtClean="0">
+                <a:ln>
+                  <a:noFill/>
+                </a:ln>
+                <a:solidFill>
+                  <a:srgbClr val="0000FF"/>
+                </a:solidFill>
+                <a:effectLst/>
+                <a:latin typeface="Courier New" panose="02070309020205020404" pitchFamily="49" charset="0"/>
+                <a:cs typeface="Courier New" panose="02070309020205020404" pitchFamily="49" charset="0"/>
+              </a:rPr>
+              <a:t>]=</a:t>
+            </a:r>
+            <a:r>
+              <a:rPr kumimoji="0" lang="de-DE" altLang="de-DE" sz="1600" b="1" i="0" u="none" strike="noStrike" cap="none" normalizeH="0" baseline="0" dirty="0" smtClean="0">
+                <a:ln>
+                  <a:noFill/>
+                </a:ln>
+                <a:solidFill>
+                  <a:srgbClr val="008000"/>
+                </a:solidFill>
+                <a:effectLst/>
+                <a:latin typeface="Courier New" panose="02070309020205020404" pitchFamily="49" charset="0"/>
+                <a:cs typeface="Courier New" panose="02070309020205020404" pitchFamily="49" charset="0"/>
+              </a:rPr>
+              <a:t>"</a:t>
+            </a:r>
+            <a:r>
+              <a:rPr kumimoji="0" lang="de-DE" altLang="de-DE" sz="1600" b="1" i="0" u="none" strike="noStrike" cap="none" normalizeH="0" baseline="0" dirty="0" err="1" smtClean="0">
+                <a:ln>
+                  <a:noFill/>
+                </a:ln>
+                <a:solidFill>
+                  <a:srgbClr val="7A7A43"/>
+                </a:solidFill>
+                <a:effectLst/>
+                <a:latin typeface="Courier New" panose="02070309020205020404" pitchFamily="49" charset="0"/>
+                <a:cs typeface="Courier New" panose="02070309020205020404" pitchFamily="49" charset="0"/>
+              </a:rPr>
+              <a:t>liga</a:t>
+            </a:r>
+            <a:r>
+              <a:rPr kumimoji="0" lang="de-DE" altLang="de-DE" sz="1600" b="1" i="0" u="none" strike="noStrike" cap="none" normalizeH="0" baseline="0" dirty="0" smtClean="0">
+                <a:ln>
+                  <a:noFill/>
+                </a:ln>
+                <a:solidFill>
+                  <a:srgbClr val="008000"/>
+                </a:solidFill>
+                <a:effectLst/>
+                <a:latin typeface="Courier New" panose="02070309020205020404" pitchFamily="49" charset="0"/>
+                <a:cs typeface="Courier New" panose="02070309020205020404" pitchFamily="49" charset="0"/>
+              </a:rPr>
+              <a:t>" </a:t>
+            </a:r>
+            <a:r>
+              <a:rPr kumimoji="0" lang="de-DE" altLang="de-DE" sz="1600" b="0" i="0" u="none" strike="noStrike" cap="none" normalizeH="0" baseline="0" dirty="0" smtClean="0">
+                <a:ln>
+                  <a:noFill/>
+                </a:ln>
+                <a:solidFill>
+                  <a:srgbClr val="000000"/>
+                </a:solidFill>
+                <a:effectLst/>
+                <a:latin typeface="Courier New" panose="02070309020205020404" pitchFamily="49" charset="0"/>
+                <a:cs typeface="Courier New" panose="02070309020205020404" pitchFamily="49" charset="0"/>
+              </a:rPr>
+              <a:t>&gt;&lt;/</a:t>
+            </a:r>
+            <a:r>
+              <a:rPr kumimoji="0" lang="de-DE" altLang="de-DE" sz="1600" b="1" i="0" u="none" strike="noStrike" cap="none" normalizeH="0" baseline="0" dirty="0" err="1" smtClean="0">
+                <a:ln>
+                  <a:noFill/>
+                </a:ln>
+                <a:solidFill>
+                  <a:srgbClr val="000080"/>
+                </a:solidFill>
+                <a:effectLst/>
+                <a:latin typeface="Courier New" panose="02070309020205020404" pitchFamily="49" charset="0"/>
+                <a:cs typeface="Courier New" panose="02070309020205020404" pitchFamily="49" charset="0"/>
+              </a:rPr>
+              <a:t>app</a:t>
+            </a:r>
+            <a:r>
+              <a:rPr kumimoji="0" lang="de-DE" altLang="de-DE" sz="1600" b="1" i="0" u="none" strike="noStrike" cap="none" normalizeH="0" baseline="0" dirty="0" smtClean="0">
+                <a:ln>
+                  <a:noFill/>
+                </a:ln>
+                <a:solidFill>
+                  <a:srgbClr val="000080"/>
+                </a:solidFill>
+                <a:effectLst/>
+                <a:latin typeface="Courier New" panose="02070309020205020404" pitchFamily="49" charset="0"/>
+                <a:cs typeface="Courier New" panose="02070309020205020404" pitchFamily="49" charset="0"/>
+              </a:rPr>
+              <a:t>-liga</a:t>
+            </a:r>
+            <a:r>
+              <a:rPr kumimoji="0" lang="de-DE" altLang="de-DE" sz="1600" b="0" i="0" u="none" strike="noStrike" cap="none" normalizeH="0" baseline="0" dirty="0" smtClean="0">
+                <a:ln>
+                  <a:noFill/>
+                </a:ln>
+                <a:solidFill>
+                  <a:srgbClr val="000000"/>
+                </a:solidFill>
+                <a:effectLst/>
+                <a:latin typeface="Courier New" panose="02070309020205020404" pitchFamily="49" charset="0"/>
+                <a:cs typeface="Courier New" panose="02070309020205020404" pitchFamily="49" charset="0"/>
+              </a:rPr>
+              <a:t>&gt;</a:t>
+            </a:r>
+            <a:endParaRPr kumimoji="0" lang="de-DE" altLang="de-DE" sz="1600" b="0" i="0" u="none" strike="noStrike" cap="none" normalizeH="0" baseline="0" dirty="0" smtClean="0">
+              <a:ln>
+                <a:noFill/>
+              </a:ln>
+              <a:solidFill>
+                <a:schemeClr val="tx1"/>
+              </a:solidFill>
+              <a:effectLst/>
+              <a:latin typeface="Arial" panose="020B0604020202020204" pitchFamily="34" charset="0"/>
+            </a:endParaRPr>
+          </a:p>
+        </p:txBody>
+      </p:sp>
+      <p:sp>
+        <p:nvSpPr>
+          <p:cNvPr id="10" name="Rectangle 5"/>
+          <p:cNvSpPr>
+            <a:spLocks noChangeArrowheads="1"/>
+          </p:cNvSpPr>
+          <p:nvPr/>
+        </p:nvSpPr>
+        <p:spPr bwMode="auto">
+          <a:xfrm>
+            <a:off x="770710" y="2899770"/>
+            <a:ext cx="4751622" cy="584775"/>
+          </a:xfrm>
+          <a:prstGeom prst="rect">
+            <a:avLst/>
+          </a:prstGeom>
+          <a:solidFill>
+            <a:srgbClr val="FFFFFF"/>
+          </a:solidFill>
+          <a:ln>
+            <a:noFill/>
+          </a:ln>
+          <a:effectLst/>
+          <a:extLst>
+            <a:ext uri="{91240B29-F687-4F45-9708-019B960494DF}">
+              <a14:hiddenLine xmlns:a14="http://schemas.microsoft.com/office/drawing/2010/main" w="9525">
+                <a:solidFill>
+                  <a:schemeClr val="tx1"/>
+                </a:solidFill>
+                <a:miter lim="800000"/>
+                <a:headEnd/>
+                <a:tailEnd/>
+              </a14:hiddenLine>
+            </a:ext>
+            <a:ext uri="{AF507438-7753-43E0-B8FC-AC1667EBCBE1}">
+              <a14:hiddenEffects xmlns:a14="http://schemas.microsoft.com/office/drawing/2010/main">
+                <a:effectLst>
+                  <a:outerShdw dist="35921" dir="2700000" algn="ctr" rotWithShape="0">
+                    <a:schemeClr val="bg2"/>
+                  </a:outerShdw>
+                </a:effectLst>
+              </a14:hiddenEffects>
+            </a:ext>
+          </a:extLst>
+        </p:spPr>
+        <p:txBody>
+          <a:bodyPr vert="horz" wrap="none" lIns="91440" tIns="45720" rIns="91440" bIns="45720" numCol="1" anchor="ctr" anchorCtr="0" compatLnSpc="1">
+            <a:prstTxWarp prst="textNoShape">
+              <a:avLst/>
+            </a:prstTxWarp>
+            <a:spAutoFit/>
+          </a:bodyPr>
+          <a:lstStyle/>
+          <a:p>
+            <a:pPr marL="0" marR="0" lvl="0" indent="0" algn="l" defTabSz="914400" rtl="0" eaLnBrk="0" fontAlgn="base" latinLnBrk="0" hangingPunct="0">
+              <a:lnSpc>
+                <a:spcPct val="100000"/>
+              </a:lnSpc>
+              <a:spcBef>
+                <a:spcPct val="0"/>
+              </a:spcBef>
+              <a:spcAft>
+                <a:spcPct val="0"/>
+              </a:spcAft>
+              <a:buClrTx/>
+              <a:buSzTx/>
+              <a:buFontTx/>
+              <a:buNone/>
+              <a:tabLst/>
+            </a:pPr>
+            <a:r>
+              <a:rPr kumimoji="0" lang="de-DE" altLang="de-DE" sz="1600" b="0" i="0" u="none" strike="noStrike" cap="none" normalizeH="0" baseline="0" dirty="0" smtClean="0">
+                <a:ln>
+                  <a:noFill/>
+                </a:ln>
+                <a:solidFill>
+                  <a:srgbClr val="808000"/>
+                </a:solidFill>
+                <a:effectLst/>
+                <a:latin typeface="Courier New" panose="02070309020205020404" pitchFamily="49" charset="0"/>
+                <a:cs typeface="Courier New" panose="02070309020205020404" pitchFamily="49" charset="0"/>
+              </a:rPr>
+              <a:t>@Input</a:t>
+            </a:r>
+            <a:r>
+              <a:rPr kumimoji="0" lang="de-DE" altLang="de-DE" sz="1600" b="0" i="0" u="none" strike="noStrike" cap="none" normalizeH="0" baseline="0" dirty="0" smtClean="0">
+                <a:ln>
+                  <a:noFill/>
+                </a:ln>
+                <a:solidFill>
+                  <a:srgbClr val="000000"/>
+                </a:solidFill>
+                <a:effectLst/>
+                <a:latin typeface="Courier New" panose="02070309020205020404" pitchFamily="49" charset="0"/>
+                <a:cs typeface="Courier New" panose="02070309020205020404" pitchFamily="49" charset="0"/>
+              </a:rPr>
+              <a:t>()</a:t>
+            </a:r>
+            <a:br>
+              <a:rPr kumimoji="0" lang="de-DE" altLang="de-DE" sz="1600" b="0" i="0" u="none" strike="noStrike" cap="none" normalizeH="0" baseline="0" dirty="0" smtClean="0">
+                <a:ln>
+                  <a:noFill/>
+                </a:ln>
+                <a:solidFill>
+                  <a:srgbClr val="000000"/>
+                </a:solidFill>
+                <a:effectLst/>
+                <a:latin typeface="Courier New" panose="02070309020205020404" pitchFamily="49" charset="0"/>
+                <a:cs typeface="Courier New" panose="02070309020205020404" pitchFamily="49" charset="0"/>
+              </a:rPr>
+            </a:br>
+            <a:r>
+              <a:rPr kumimoji="0" lang="de-DE" altLang="de-DE" sz="1600" b="1" i="0" u="none" strike="noStrike" cap="none" normalizeH="0" baseline="0" dirty="0" smtClean="0">
+                <a:ln>
+                  <a:noFill/>
+                </a:ln>
+                <a:solidFill>
+                  <a:srgbClr val="000080"/>
+                </a:solidFill>
+                <a:effectLst/>
+                <a:latin typeface="Courier New" panose="02070309020205020404" pitchFamily="49" charset="0"/>
+                <a:cs typeface="Courier New" panose="02070309020205020404" pitchFamily="49" charset="0"/>
+              </a:rPr>
+              <a:t>private </a:t>
+            </a:r>
+            <a:r>
+              <a:rPr kumimoji="0" lang="de-DE" altLang="de-DE" sz="1600" b="1" i="0" u="none" strike="noStrike" cap="none" normalizeH="0" baseline="0" dirty="0" err="1" smtClean="0">
+                <a:ln>
+                  <a:noFill/>
+                </a:ln>
+                <a:solidFill>
+                  <a:srgbClr val="660E7A"/>
+                </a:solidFill>
+                <a:effectLst/>
+                <a:latin typeface="Courier New" panose="02070309020205020404" pitchFamily="49" charset="0"/>
+                <a:cs typeface="Courier New" panose="02070309020205020404" pitchFamily="49" charset="0"/>
+              </a:rPr>
+              <a:t>liga</a:t>
+            </a:r>
+            <a:r>
+              <a:rPr kumimoji="0" lang="de-DE" altLang="de-DE" sz="1600" b="1" i="0" u="none" strike="noStrike" cap="none" normalizeH="0" baseline="0" dirty="0" smtClean="0">
+                <a:ln>
+                  <a:noFill/>
+                </a:ln>
+                <a:solidFill>
+                  <a:srgbClr val="660E7A"/>
+                </a:solidFill>
+                <a:effectLst/>
+                <a:latin typeface="Courier New" panose="02070309020205020404" pitchFamily="49" charset="0"/>
+                <a:cs typeface="Courier New" panose="02070309020205020404" pitchFamily="49" charset="0"/>
+              </a:rPr>
+              <a:t> </a:t>
+            </a:r>
+            <a:r>
+              <a:rPr kumimoji="0" lang="de-DE" altLang="de-DE" sz="1600" b="0" i="0" u="none" strike="noStrike" cap="none" normalizeH="0" baseline="0" dirty="0" smtClean="0">
+                <a:ln>
+                  <a:noFill/>
+                </a:ln>
+                <a:solidFill>
+                  <a:srgbClr val="000000"/>
+                </a:solidFill>
+                <a:effectLst/>
+                <a:latin typeface="Courier New" panose="02070309020205020404" pitchFamily="49" charset="0"/>
+                <a:cs typeface="Courier New" panose="02070309020205020404" pitchFamily="49" charset="0"/>
+              </a:rPr>
+              <a:t>: Liga = </a:t>
+            </a:r>
+            <a:r>
+              <a:rPr kumimoji="0" lang="de-DE" altLang="de-DE" sz="1600" b="0" i="0" u="none" strike="noStrike" cap="none" normalizeH="0" baseline="0" dirty="0" err="1" smtClean="0">
+                <a:ln>
+                  <a:noFill/>
+                </a:ln>
+                <a:solidFill>
+                  <a:srgbClr val="000000"/>
+                </a:solidFill>
+                <a:effectLst/>
+                <a:latin typeface="Courier New" panose="02070309020205020404" pitchFamily="49" charset="0"/>
+                <a:cs typeface="Courier New" panose="02070309020205020404" pitchFamily="49" charset="0"/>
+              </a:rPr>
+              <a:t>Liga.</a:t>
+            </a:r>
+            <a:r>
+              <a:rPr kumimoji="0" lang="de-DE" altLang="de-DE" sz="1600" b="0" i="1" u="none" strike="noStrike" cap="none" normalizeH="0" baseline="0" dirty="0" err="1" smtClean="0">
+                <a:ln>
+                  <a:noFill/>
+                </a:ln>
+                <a:solidFill>
+                  <a:srgbClr val="660E7A"/>
+                </a:solidFill>
+                <a:effectLst/>
+                <a:latin typeface="Courier New" panose="02070309020205020404" pitchFamily="49" charset="0"/>
+                <a:cs typeface="Courier New" panose="02070309020205020404" pitchFamily="49" charset="0"/>
+              </a:rPr>
+              <a:t>ErsteLiga</a:t>
+            </a:r>
+            <a:r>
+              <a:rPr kumimoji="0" lang="de-DE" altLang="de-DE" sz="1600" b="0" i="0" u="none" strike="noStrike" cap="none" normalizeH="0" baseline="0" dirty="0" smtClean="0">
+                <a:ln>
+                  <a:noFill/>
+                </a:ln>
+                <a:solidFill>
+                  <a:srgbClr val="000000"/>
+                </a:solidFill>
+                <a:effectLst/>
+                <a:latin typeface="Courier New" panose="02070309020205020404" pitchFamily="49" charset="0"/>
+                <a:cs typeface="Courier New" panose="02070309020205020404" pitchFamily="49" charset="0"/>
+              </a:rPr>
+              <a:t>;</a:t>
+            </a:r>
+            <a:endParaRPr kumimoji="0" lang="de-DE" altLang="de-DE" sz="1600" b="0" i="0" u="none" strike="noStrike" cap="none" normalizeH="0" baseline="0" dirty="0" smtClean="0">
+              <a:ln>
+                <a:noFill/>
+              </a:ln>
+              <a:solidFill>
+                <a:schemeClr val="tx1"/>
+              </a:solidFill>
+              <a:effectLst/>
+              <a:latin typeface="Arial" panose="020B0604020202020204" pitchFamily="34" charset="0"/>
+            </a:endParaRPr>
           </a:p>
         </p:txBody>
       </p:sp>
@@ -5274,7 +5846,7 @@
                   <a:srgbClr val="404040"/>
                 </a:solidFill>
               </a:rPr>
-              <a:t>Event-Handling</a:t>
+              <a:t>Data-Binding</a:t>
             </a:r>
             <a:endParaRPr lang="de-DE" altLang="de-DE" sz="2400" b="0" dirty="0">
               <a:solidFill>
@@ -5391,8 +5963,8 @@
               <a:buChar char="•"/>
             </a:pPr>
             <a:r>
-              <a:rPr lang="en-GB" altLang="de-DE" sz="2400" dirty="0" err="1" smtClean="0"/>
-              <a:t>dgfdgdf</a:t>
+              <a:rPr lang="en-GB" altLang="de-DE" sz="2400" dirty="0" smtClean="0"/>
+              <a:t>Output</a:t>
             </a:r>
             <a:endParaRPr lang="en-GB" altLang="de-DE" sz="2400" dirty="0" smtClean="0"/>
           </a:p>
@@ -5419,10 +5991,926 @@
           </a:p>
         </p:txBody>
       </p:sp>
+      <p:sp>
+        <p:nvSpPr>
+          <p:cNvPr id="11" name="Rectangle 4"/>
+          <p:cNvSpPr>
+            <a:spLocks noChangeArrowheads="1"/>
+          </p:cNvSpPr>
+          <p:nvPr/>
+        </p:nvSpPr>
+        <p:spPr bwMode="auto">
+          <a:xfrm>
+            <a:off x="514205" y="2952180"/>
+            <a:ext cx="4875053" cy="1815882"/>
+          </a:xfrm>
+          <a:prstGeom prst="rect">
+            <a:avLst/>
+          </a:prstGeom>
+          <a:solidFill>
+            <a:srgbClr val="FFFFFF"/>
+          </a:solidFill>
+          <a:ln>
+            <a:noFill/>
+          </a:ln>
+          <a:effectLst/>
+          <a:extLst>
+            <a:ext uri="{91240B29-F687-4F45-9708-019B960494DF}">
+              <a14:hiddenLine xmlns:a14="http://schemas.microsoft.com/office/drawing/2010/main" w="9525">
+                <a:solidFill>
+                  <a:schemeClr val="tx1"/>
+                </a:solidFill>
+                <a:miter lim="800000"/>
+                <a:headEnd/>
+                <a:tailEnd/>
+              </a14:hiddenLine>
+            </a:ext>
+            <a:ext uri="{AF507438-7753-43E0-B8FC-AC1667EBCBE1}">
+              <a14:hiddenEffects xmlns:a14="http://schemas.microsoft.com/office/drawing/2010/main">
+                <a:effectLst>
+                  <a:outerShdw dist="35921" dir="2700000" algn="ctr" rotWithShape="0">
+                    <a:schemeClr val="bg2"/>
+                  </a:outerShdw>
+                </a:effectLst>
+              </a14:hiddenEffects>
+            </a:ext>
+          </a:extLst>
+        </p:spPr>
+        <p:txBody>
+          <a:bodyPr vert="horz" wrap="none" lIns="91440" tIns="45720" rIns="91440" bIns="45720" numCol="1" anchor="ctr" anchorCtr="0" compatLnSpc="1">
+            <a:prstTxWarp prst="textNoShape">
+              <a:avLst/>
+            </a:prstTxWarp>
+            <a:spAutoFit/>
+          </a:bodyPr>
+          <a:lstStyle/>
+          <a:p>
+            <a:pPr marL="0" marR="0" lvl="0" indent="0" algn="l" defTabSz="914400" rtl="0" eaLnBrk="0" fontAlgn="base" latinLnBrk="0" hangingPunct="0">
+              <a:lnSpc>
+                <a:spcPct val="100000"/>
+              </a:lnSpc>
+              <a:spcBef>
+                <a:spcPct val="0"/>
+              </a:spcBef>
+              <a:spcAft>
+                <a:spcPct val="0"/>
+              </a:spcAft>
+              <a:buClrTx/>
+              <a:buSzTx/>
+              <a:buFontTx/>
+              <a:buNone/>
+              <a:tabLst/>
+            </a:pPr>
+            <a:r>
+              <a:rPr kumimoji="0" lang="de-DE" altLang="de-DE" sz="1600" b="0" i="0" u="none" strike="noStrike" cap="none" normalizeH="0" baseline="0" dirty="0" smtClean="0">
+                <a:ln>
+                  <a:noFill/>
+                </a:ln>
+                <a:solidFill>
+                  <a:srgbClr val="808000"/>
+                </a:solidFill>
+                <a:effectLst/>
+                <a:latin typeface="Courier New" panose="02070309020205020404" pitchFamily="49" charset="0"/>
+                <a:cs typeface="Courier New" panose="02070309020205020404" pitchFamily="49" charset="0"/>
+              </a:rPr>
+              <a:t>@Output</a:t>
+            </a:r>
+            <a:r>
+              <a:rPr kumimoji="0" lang="de-DE" altLang="de-DE" sz="1600" b="0" i="0" u="none" strike="noStrike" cap="none" normalizeH="0" baseline="0" dirty="0" smtClean="0">
+                <a:ln>
+                  <a:noFill/>
+                </a:ln>
+                <a:solidFill>
+                  <a:srgbClr val="000000"/>
+                </a:solidFill>
+                <a:effectLst/>
+                <a:latin typeface="Courier New" panose="02070309020205020404" pitchFamily="49" charset="0"/>
+                <a:cs typeface="Courier New" panose="02070309020205020404" pitchFamily="49" charset="0"/>
+              </a:rPr>
+              <a:t>()</a:t>
+            </a:r>
+            <a:br>
+              <a:rPr kumimoji="0" lang="de-DE" altLang="de-DE" sz="1600" b="0" i="0" u="none" strike="noStrike" cap="none" normalizeH="0" baseline="0" dirty="0" smtClean="0">
+                <a:ln>
+                  <a:noFill/>
+                </a:ln>
+                <a:solidFill>
+                  <a:srgbClr val="000000"/>
+                </a:solidFill>
+                <a:effectLst/>
+                <a:latin typeface="Courier New" panose="02070309020205020404" pitchFamily="49" charset="0"/>
+                <a:cs typeface="Courier New" panose="02070309020205020404" pitchFamily="49" charset="0"/>
+              </a:rPr>
+            </a:br>
+            <a:r>
+              <a:rPr kumimoji="0" lang="de-DE" altLang="de-DE" sz="1600" b="1" i="0" u="none" strike="noStrike" cap="none" normalizeH="0" baseline="0" dirty="0" err="1" smtClean="0">
+                <a:ln>
+                  <a:noFill/>
+                </a:ln>
+                <a:solidFill>
+                  <a:srgbClr val="660E7A"/>
+                </a:solidFill>
+                <a:effectLst/>
+                <a:latin typeface="Courier New" panose="02070309020205020404" pitchFamily="49" charset="0"/>
+                <a:cs typeface="Courier New" panose="02070309020205020404" pitchFamily="49" charset="0"/>
+              </a:rPr>
+              <a:t>ligaChange</a:t>
+            </a:r>
+            <a:r>
+              <a:rPr kumimoji="0" lang="de-DE" altLang="de-DE" sz="1600" b="1" i="0" u="none" strike="noStrike" cap="none" normalizeH="0" baseline="0" dirty="0" smtClean="0">
+                <a:ln>
+                  <a:noFill/>
+                </a:ln>
+                <a:solidFill>
+                  <a:srgbClr val="660E7A"/>
+                </a:solidFill>
+                <a:effectLst/>
+                <a:latin typeface="Courier New" panose="02070309020205020404" pitchFamily="49" charset="0"/>
+                <a:cs typeface="Courier New" panose="02070309020205020404" pitchFamily="49" charset="0"/>
+              </a:rPr>
+              <a:t> </a:t>
+            </a:r>
+            <a:r>
+              <a:rPr kumimoji="0" lang="de-DE" altLang="de-DE" sz="1600" b="0" i="0" u="none" strike="noStrike" cap="none" normalizeH="0" baseline="0" dirty="0" smtClean="0">
+                <a:ln>
+                  <a:noFill/>
+                </a:ln>
+                <a:solidFill>
+                  <a:srgbClr val="000000"/>
+                </a:solidFill>
+                <a:effectLst/>
+                <a:latin typeface="Courier New" panose="02070309020205020404" pitchFamily="49" charset="0"/>
+                <a:cs typeface="Courier New" panose="02070309020205020404" pitchFamily="49" charset="0"/>
+              </a:rPr>
+              <a:t>= </a:t>
+            </a:r>
+            <a:r>
+              <a:rPr kumimoji="0" lang="de-DE" altLang="de-DE" sz="1600" b="1" i="0" u="none" strike="noStrike" cap="none" normalizeH="0" baseline="0" dirty="0" err="1" smtClean="0">
+                <a:ln>
+                  <a:noFill/>
+                </a:ln>
+                <a:solidFill>
+                  <a:srgbClr val="000080"/>
+                </a:solidFill>
+                <a:effectLst/>
+                <a:latin typeface="Courier New" panose="02070309020205020404" pitchFamily="49" charset="0"/>
+                <a:cs typeface="Courier New" panose="02070309020205020404" pitchFamily="49" charset="0"/>
+              </a:rPr>
+              <a:t>new</a:t>
+            </a:r>
+            <a:r>
+              <a:rPr kumimoji="0" lang="de-DE" altLang="de-DE" sz="1600" b="1" i="0" u="none" strike="noStrike" cap="none" normalizeH="0" baseline="0" dirty="0" smtClean="0">
+                <a:ln>
+                  <a:noFill/>
+                </a:ln>
+                <a:solidFill>
+                  <a:srgbClr val="000080"/>
+                </a:solidFill>
+                <a:effectLst/>
+                <a:latin typeface="Courier New" panose="02070309020205020404" pitchFamily="49" charset="0"/>
+                <a:cs typeface="Courier New" panose="02070309020205020404" pitchFamily="49" charset="0"/>
+              </a:rPr>
+              <a:t> </a:t>
+            </a:r>
+            <a:r>
+              <a:rPr kumimoji="0" lang="de-DE" altLang="de-DE" sz="1600" b="0" i="0" u="none" strike="noStrike" cap="none" normalizeH="0" baseline="0" dirty="0" err="1" smtClean="0">
+                <a:ln>
+                  <a:noFill/>
+                </a:ln>
+                <a:solidFill>
+                  <a:srgbClr val="000000"/>
+                </a:solidFill>
+                <a:effectLst/>
+                <a:latin typeface="Courier New" panose="02070309020205020404" pitchFamily="49" charset="0"/>
+                <a:cs typeface="Courier New" panose="02070309020205020404" pitchFamily="49" charset="0"/>
+              </a:rPr>
+              <a:t>EventEmitter</a:t>
+            </a:r>
+            <a:r>
+              <a:rPr kumimoji="0" lang="de-DE" altLang="de-DE" sz="1600" b="0" i="0" u="none" strike="noStrike" cap="none" normalizeH="0" baseline="0" dirty="0" smtClean="0">
+                <a:ln>
+                  <a:noFill/>
+                </a:ln>
+                <a:solidFill>
+                  <a:srgbClr val="000000"/>
+                </a:solidFill>
+                <a:effectLst/>
+                <a:latin typeface="Courier New" panose="02070309020205020404" pitchFamily="49" charset="0"/>
+                <a:cs typeface="Courier New" panose="02070309020205020404" pitchFamily="49" charset="0"/>
+              </a:rPr>
+              <a:t>&lt;Liga&gt;();</a:t>
+            </a:r>
+            <a:br>
+              <a:rPr kumimoji="0" lang="de-DE" altLang="de-DE" sz="1600" b="0" i="0" u="none" strike="noStrike" cap="none" normalizeH="0" baseline="0" dirty="0" smtClean="0">
+                <a:ln>
+                  <a:noFill/>
+                </a:ln>
+                <a:solidFill>
+                  <a:srgbClr val="000000"/>
+                </a:solidFill>
+                <a:effectLst/>
+                <a:latin typeface="Courier New" panose="02070309020205020404" pitchFamily="49" charset="0"/>
+                <a:cs typeface="Courier New" panose="02070309020205020404" pitchFamily="49" charset="0"/>
+              </a:rPr>
+            </a:br>
+            <a:r>
+              <a:rPr kumimoji="0" lang="de-DE" altLang="de-DE" sz="1600" b="0" i="0" u="none" strike="noStrike" cap="none" normalizeH="0" baseline="0" dirty="0" smtClean="0">
+                <a:ln>
+                  <a:noFill/>
+                </a:ln>
+                <a:solidFill>
+                  <a:srgbClr val="000000"/>
+                </a:solidFill>
+                <a:effectLst/>
+                <a:latin typeface="Courier New" panose="02070309020205020404" pitchFamily="49" charset="0"/>
+                <a:cs typeface="Courier New" panose="02070309020205020404" pitchFamily="49" charset="0"/>
+              </a:rPr>
+              <a:t/>
+            </a:r>
+            <a:br>
+              <a:rPr kumimoji="0" lang="de-DE" altLang="de-DE" sz="1600" b="0" i="0" u="none" strike="noStrike" cap="none" normalizeH="0" baseline="0" dirty="0" smtClean="0">
+                <a:ln>
+                  <a:noFill/>
+                </a:ln>
+                <a:solidFill>
+                  <a:srgbClr val="000000"/>
+                </a:solidFill>
+                <a:effectLst/>
+                <a:latin typeface="Courier New" panose="02070309020205020404" pitchFamily="49" charset="0"/>
+                <a:cs typeface="Courier New" panose="02070309020205020404" pitchFamily="49" charset="0"/>
+              </a:rPr>
+            </a:br>
+            <a:r>
+              <a:rPr kumimoji="0" lang="de-DE" altLang="de-DE" sz="1600" b="0" i="0" u="none" strike="noStrike" cap="none" normalizeH="0" baseline="0" dirty="0" err="1" smtClean="0">
+                <a:ln>
+                  <a:noFill/>
+                </a:ln>
+                <a:solidFill>
+                  <a:srgbClr val="7A7A43"/>
+                </a:solidFill>
+                <a:effectLst/>
+                <a:latin typeface="Courier New" panose="02070309020205020404" pitchFamily="49" charset="0"/>
+                <a:cs typeface="Courier New" panose="02070309020205020404" pitchFamily="49" charset="0"/>
+              </a:rPr>
+              <a:t>updateLiga</a:t>
+            </a:r>
+            <a:r>
+              <a:rPr kumimoji="0" lang="de-DE" altLang="de-DE" sz="1600" b="0" i="0" u="none" strike="noStrike" cap="none" normalizeH="0" baseline="0" dirty="0" smtClean="0">
+                <a:ln>
+                  <a:noFill/>
+                </a:ln>
+                <a:solidFill>
+                  <a:srgbClr val="000000"/>
+                </a:solidFill>
+                <a:effectLst/>
+                <a:latin typeface="Courier New" panose="02070309020205020404" pitchFamily="49" charset="0"/>
+                <a:cs typeface="Courier New" panose="02070309020205020404" pitchFamily="49" charset="0"/>
+              </a:rPr>
+              <a:t>(</a:t>
+            </a:r>
+            <a:r>
+              <a:rPr kumimoji="0" lang="de-DE" altLang="de-DE" sz="1600" b="0" i="0" u="none" strike="noStrike" cap="none" normalizeH="0" baseline="0" dirty="0" err="1" smtClean="0">
+                <a:ln>
+                  <a:noFill/>
+                </a:ln>
+                <a:solidFill>
+                  <a:srgbClr val="000000"/>
+                </a:solidFill>
+                <a:effectLst/>
+                <a:latin typeface="Courier New" panose="02070309020205020404" pitchFamily="49" charset="0"/>
+                <a:cs typeface="Courier New" panose="02070309020205020404" pitchFamily="49" charset="0"/>
+              </a:rPr>
+              <a:t>ligaName:</a:t>
+            </a:r>
+            <a:r>
+              <a:rPr kumimoji="0" lang="de-DE" altLang="de-DE" sz="1600" b="1" i="0" u="none" strike="noStrike" cap="none" normalizeH="0" baseline="0" dirty="0" err="1" smtClean="0">
+                <a:ln>
+                  <a:noFill/>
+                </a:ln>
+                <a:solidFill>
+                  <a:srgbClr val="000080"/>
+                </a:solidFill>
+                <a:effectLst/>
+                <a:latin typeface="Courier New" panose="02070309020205020404" pitchFamily="49" charset="0"/>
+                <a:cs typeface="Courier New" panose="02070309020205020404" pitchFamily="49" charset="0"/>
+              </a:rPr>
+              <a:t>string</a:t>
+            </a:r>
+            <a:r>
+              <a:rPr kumimoji="0" lang="de-DE" altLang="de-DE" sz="1600" b="0" i="0" u="none" strike="noStrike" cap="none" normalizeH="0" baseline="0" dirty="0" smtClean="0">
+                <a:ln>
+                  <a:noFill/>
+                </a:ln>
+                <a:solidFill>
+                  <a:srgbClr val="000000"/>
+                </a:solidFill>
+                <a:effectLst/>
+                <a:latin typeface="Courier New" panose="02070309020205020404" pitchFamily="49" charset="0"/>
+                <a:cs typeface="Courier New" panose="02070309020205020404" pitchFamily="49" charset="0"/>
+              </a:rPr>
+              <a:t>){</a:t>
+            </a:r>
+            <a:br>
+              <a:rPr kumimoji="0" lang="de-DE" altLang="de-DE" sz="1600" b="0" i="0" u="none" strike="noStrike" cap="none" normalizeH="0" baseline="0" dirty="0" smtClean="0">
+                <a:ln>
+                  <a:noFill/>
+                </a:ln>
+                <a:solidFill>
+                  <a:srgbClr val="000000"/>
+                </a:solidFill>
+                <a:effectLst/>
+                <a:latin typeface="Courier New" panose="02070309020205020404" pitchFamily="49" charset="0"/>
+                <a:cs typeface="Courier New" panose="02070309020205020404" pitchFamily="49" charset="0"/>
+              </a:rPr>
+            </a:br>
+            <a:r>
+              <a:rPr kumimoji="0" lang="de-DE" altLang="de-DE" sz="1600" b="0" i="0" u="none" strike="noStrike" cap="none" normalizeH="0" baseline="0" dirty="0" smtClean="0">
+                <a:ln>
+                  <a:noFill/>
+                </a:ln>
+                <a:solidFill>
+                  <a:srgbClr val="000000"/>
+                </a:solidFill>
+                <a:effectLst/>
+                <a:latin typeface="Courier New" panose="02070309020205020404" pitchFamily="49" charset="0"/>
+                <a:cs typeface="Courier New" panose="02070309020205020404" pitchFamily="49" charset="0"/>
+              </a:rPr>
+              <a:t>  </a:t>
+            </a:r>
+            <a:r>
+              <a:rPr kumimoji="0" lang="de-DE" altLang="de-DE" sz="1600" b="1" i="0" u="none" strike="noStrike" cap="none" normalizeH="0" baseline="0" dirty="0" err="1" smtClean="0">
+                <a:ln>
+                  <a:noFill/>
+                </a:ln>
+                <a:solidFill>
+                  <a:srgbClr val="000080"/>
+                </a:solidFill>
+                <a:effectLst/>
+                <a:latin typeface="Courier New" panose="02070309020205020404" pitchFamily="49" charset="0"/>
+                <a:cs typeface="Courier New" panose="02070309020205020404" pitchFamily="49" charset="0"/>
+              </a:rPr>
+              <a:t>this</a:t>
+            </a:r>
+            <a:r>
+              <a:rPr kumimoji="0" lang="de-DE" altLang="de-DE" sz="1600" b="0" i="0" u="none" strike="noStrike" cap="none" normalizeH="0" baseline="0" dirty="0" err="1" smtClean="0">
+                <a:ln>
+                  <a:noFill/>
+                </a:ln>
+                <a:solidFill>
+                  <a:srgbClr val="000000"/>
+                </a:solidFill>
+                <a:effectLst/>
+                <a:latin typeface="Courier New" panose="02070309020205020404" pitchFamily="49" charset="0"/>
+                <a:cs typeface="Courier New" panose="02070309020205020404" pitchFamily="49" charset="0"/>
+              </a:rPr>
+              <a:t>.</a:t>
+            </a:r>
+            <a:r>
+              <a:rPr kumimoji="0" lang="de-DE" altLang="de-DE" sz="1600" b="1" i="0" u="none" strike="noStrike" cap="none" normalizeH="0" baseline="0" dirty="0" err="1" smtClean="0">
+                <a:ln>
+                  <a:noFill/>
+                </a:ln>
+                <a:solidFill>
+                  <a:srgbClr val="660E7A"/>
+                </a:solidFill>
+                <a:effectLst/>
+                <a:latin typeface="Courier New" panose="02070309020205020404" pitchFamily="49" charset="0"/>
+                <a:cs typeface="Courier New" panose="02070309020205020404" pitchFamily="49" charset="0"/>
+              </a:rPr>
+              <a:t>liga</a:t>
+            </a:r>
+            <a:r>
+              <a:rPr kumimoji="0" lang="de-DE" altLang="de-DE" sz="1600" b="1" i="0" u="none" strike="noStrike" cap="none" normalizeH="0" baseline="0" dirty="0" smtClean="0">
+                <a:ln>
+                  <a:noFill/>
+                </a:ln>
+                <a:solidFill>
+                  <a:srgbClr val="660E7A"/>
+                </a:solidFill>
+                <a:effectLst/>
+                <a:latin typeface="Courier New" panose="02070309020205020404" pitchFamily="49" charset="0"/>
+                <a:cs typeface="Courier New" panose="02070309020205020404" pitchFamily="49" charset="0"/>
+              </a:rPr>
+              <a:t> </a:t>
+            </a:r>
+            <a:r>
+              <a:rPr kumimoji="0" lang="de-DE" altLang="de-DE" sz="1600" b="0" i="0" u="none" strike="noStrike" cap="none" normalizeH="0" baseline="0" dirty="0" smtClean="0">
+                <a:ln>
+                  <a:noFill/>
+                </a:ln>
+                <a:solidFill>
+                  <a:srgbClr val="000000"/>
+                </a:solidFill>
+                <a:effectLst/>
+                <a:latin typeface="Courier New" panose="02070309020205020404" pitchFamily="49" charset="0"/>
+                <a:cs typeface="Courier New" panose="02070309020205020404" pitchFamily="49" charset="0"/>
+              </a:rPr>
+              <a:t>= Liga[</a:t>
+            </a:r>
+            <a:r>
+              <a:rPr kumimoji="0" lang="de-DE" altLang="de-DE" sz="1600" b="0" i="0" u="none" strike="noStrike" cap="none" normalizeH="0" baseline="0" dirty="0" err="1" smtClean="0">
+                <a:ln>
+                  <a:noFill/>
+                </a:ln>
+                <a:solidFill>
+                  <a:srgbClr val="000000"/>
+                </a:solidFill>
+                <a:effectLst/>
+                <a:latin typeface="Courier New" panose="02070309020205020404" pitchFamily="49" charset="0"/>
+                <a:cs typeface="Courier New" panose="02070309020205020404" pitchFamily="49" charset="0"/>
+              </a:rPr>
+              <a:t>ligaName</a:t>
+            </a:r>
+            <a:r>
+              <a:rPr kumimoji="0" lang="de-DE" altLang="de-DE" sz="1600" b="0" i="0" u="none" strike="noStrike" cap="none" normalizeH="0" baseline="0" dirty="0" smtClean="0">
+                <a:ln>
+                  <a:noFill/>
+                </a:ln>
+                <a:solidFill>
+                  <a:srgbClr val="000000"/>
+                </a:solidFill>
+                <a:effectLst/>
+                <a:latin typeface="Courier New" panose="02070309020205020404" pitchFamily="49" charset="0"/>
+                <a:cs typeface="Courier New" panose="02070309020205020404" pitchFamily="49" charset="0"/>
+              </a:rPr>
+              <a:t>];</a:t>
+            </a:r>
+            <a:br>
+              <a:rPr kumimoji="0" lang="de-DE" altLang="de-DE" sz="1600" b="0" i="0" u="none" strike="noStrike" cap="none" normalizeH="0" baseline="0" dirty="0" smtClean="0">
+                <a:ln>
+                  <a:noFill/>
+                </a:ln>
+                <a:solidFill>
+                  <a:srgbClr val="000000"/>
+                </a:solidFill>
+                <a:effectLst/>
+                <a:latin typeface="Courier New" panose="02070309020205020404" pitchFamily="49" charset="0"/>
+                <a:cs typeface="Courier New" panose="02070309020205020404" pitchFamily="49" charset="0"/>
+              </a:rPr>
+            </a:br>
+            <a:r>
+              <a:rPr kumimoji="0" lang="de-DE" altLang="de-DE" sz="1600" b="0" i="0" u="none" strike="noStrike" cap="none" normalizeH="0" baseline="0" dirty="0" smtClean="0">
+                <a:ln>
+                  <a:noFill/>
+                </a:ln>
+                <a:solidFill>
+                  <a:srgbClr val="000000"/>
+                </a:solidFill>
+                <a:effectLst/>
+                <a:latin typeface="Courier New" panose="02070309020205020404" pitchFamily="49" charset="0"/>
+                <a:cs typeface="Courier New" panose="02070309020205020404" pitchFamily="49" charset="0"/>
+              </a:rPr>
+              <a:t>  </a:t>
+            </a:r>
+            <a:r>
+              <a:rPr kumimoji="0" lang="de-DE" altLang="de-DE" sz="1600" b="1" i="0" u="none" strike="noStrike" cap="none" normalizeH="0" baseline="0" dirty="0" err="1" smtClean="0">
+                <a:ln>
+                  <a:noFill/>
+                </a:ln>
+                <a:solidFill>
+                  <a:srgbClr val="000080"/>
+                </a:solidFill>
+                <a:effectLst/>
+                <a:latin typeface="Courier New" panose="02070309020205020404" pitchFamily="49" charset="0"/>
+                <a:cs typeface="Courier New" panose="02070309020205020404" pitchFamily="49" charset="0"/>
+              </a:rPr>
+              <a:t>this</a:t>
+            </a:r>
+            <a:r>
+              <a:rPr kumimoji="0" lang="de-DE" altLang="de-DE" sz="1600" b="0" i="0" u="none" strike="noStrike" cap="none" normalizeH="0" baseline="0" dirty="0" err="1" smtClean="0">
+                <a:ln>
+                  <a:noFill/>
+                </a:ln>
+                <a:solidFill>
+                  <a:srgbClr val="000000"/>
+                </a:solidFill>
+                <a:effectLst/>
+                <a:latin typeface="Courier New" panose="02070309020205020404" pitchFamily="49" charset="0"/>
+                <a:cs typeface="Courier New" panose="02070309020205020404" pitchFamily="49" charset="0"/>
+              </a:rPr>
+              <a:t>.</a:t>
+            </a:r>
+            <a:r>
+              <a:rPr kumimoji="0" lang="de-DE" altLang="de-DE" sz="1600" b="1" i="0" u="none" strike="noStrike" cap="none" normalizeH="0" baseline="0" dirty="0" err="1" smtClean="0">
+                <a:ln>
+                  <a:noFill/>
+                </a:ln>
+                <a:solidFill>
+                  <a:srgbClr val="660E7A"/>
+                </a:solidFill>
+                <a:effectLst/>
+                <a:latin typeface="Courier New" panose="02070309020205020404" pitchFamily="49" charset="0"/>
+                <a:cs typeface="Courier New" panose="02070309020205020404" pitchFamily="49" charset="0"/>
+              </a:rPr>
+              <a:t>ligaChange</a:t>
+            </a:r>
+            <a:r>
+              <a:rPr kumimoji="0" lang="de-DE" altLang="de-DE" sz="1600" b="0" i="0" u="none" strike="noStrike" cap="none" normalizeH="0" baseline="0" dirty="0" err="1" smtClean="0">
+                <a:ln>
+                  <a:noFill/>
+                </a:ln>
+                <a:solidFill>
+                  <a:srgbClr val="000000"/>
+                </a:solidFill>
+                <a:effectLst/>
+                <a:latin typeface="Courier New" panose="02070309020205020404" pitchFamily="49" charset="0"/>
+                <a:cs typeface="Courier New" panose="02070309020205020404" pitchFamily="49" charset="0"/>
+              </a:rPr>
+              <a:t>.</a:t>
+            </a:r>
+            <a:r>
+              <a:rPr kumimoji="0" lang="de-DE" altLang="de-DE" sz="1600" b="0" i="0" u="none" strike="noStrike" cap="none" normalizeH="0" baseline="0" dirty="0" err="1" smtClean="0">
+                <a:ln>
+                  <a:noFill/>
+                </a:ln>
+                <a:solidFill>
+                  <a:srgbClr val="7A7A43"/>
+                </a:solidFill>
+                <a:effectLst/>
+                <a:latin typeface="Courier New" panose="02070309020205020404" pitchFamily="49" charset="0"/>
+                <a:cs typeface="Courier New" panose="02070309020205020404" pitchFamily="49" charset="0"/>
+              </a:rPr>
+              <a:t>emit</a:t>
+            </a:r>
+            <a:r>
+              <a:rPr kumimoji="0" lang="de-DE" altLang="de-DE" sz="1600" b="0" i="0" u="none" strike="noStrike" cap="none" normalizeH="0" baseline="0" dirty="0" smtClean="0">
+                <a:ln>
+                  <a:noFill/>
+                </a:ln>
+                <a:solidFill>
+                  <a:srgbClr val="000000"/>
+                </a:solidFill>
+                <a:effectLst/>
+                <a:latin typeface="Courier New" panose="02070309020205020404" pitchFamily="49" charset="0"/>
+                <a:cs typeface="Courier New" panose="02070309020205020404" pitchFamily="49" charset="0"/>
+              </a:rPr>
+              <a:t>(</a:t>
+            </a:r>
+            <a:r>
+              <a:rPr kumimoji="0" lang="de-DE" altLang="de-DE" sz="1600" b="1" i="0" u="none" strike="noStrike" cap="none" normalizeH="0" baseline="0" dirty="0" err="1" smtClean="0">
+                <a:ln>
+                  <a:noFill/>
+                </a:ln>
+                <a:solidFill>
+                  <a:srgbClr val="000080"/>
+                </a:solidFill>
+                <a:effectLst/>
+                <a:latin typeface="Courier New" panose="02070309020205020404" pitchFamily="49" charset="0"/>
+                <a:cs typeface="Courier New" panose="02070309020205020404" pitchFamily="49" charset="0"/>
+              </a:rPr>
+              <a:t>this</a:t>
+            </a:r>
+            <a:r>
+              <a:rPr kumimoji="0" lang="de-DE" altLang="de-DE" sz="1600" b="0" i="0" u="none" strike="noStrike" cap="none" normalizeH="0" baseline="0" dirty="0" err="1" smtClean="0">
+                <a:ln>
+                  <a:noFill/>
+                </a:ln>
+                <a:solidFill>
+                  <a:srgbClr val="000000"/>
+                </a:solidFill>
+                <a:effectLst/>
+                <a:latin typeface="Courier New" panose="02070309020205020404" pitchFamily="49" charset="0"/>
+                <a:cs typeface="Courier New" panose="02070309020205020404" pitchFamily="49" charset="0"/>
+              </a:rPr>
+              <a:t>.</a:t>
+            </a:r>
+            <a:r>
+              <a:rPr kumimoji="0" lang="de-DE" altLang="de-DE" sz="1600" b="1" i="0" u="none" strike="noStrike" cap="none" normalizeH="0" baseline="0" dirty="0" err="1" smtClean="0">
+                <a:ln>
+                  <a:noFill/>
+                </a:ln>
+                <a:solidFill>
+                  <a:srgbClr val="660E7A"/>
+                </a:solidFill>
+                <a:effectLst/>
+                <a:latin typeface="Courier New" panose="02070309020205020404" pitchFamily="49" charset="0"/>
+                <a:cs typeface="Courier New" panose="02070309020205020404" pitchFamily="49" charset="0"/>
+              </a:rPr>
+              <a:t>liga</a:t>
+            </a:r>
+            <a:r>
+              <a:rPr kumimoji="0" lang="de-DE" altLang="de-DE" sz="1600" b="0" i="0" u="none" strike="noStrike" cap="none" normalizeH="0" baseline="0" dirty="0" smtClean="0">
+                <a:ln>
+                  <a:noFill/>
+                </a:ln>
+                <a:solidFill>
+                  <a:srgbClr val="000000"/>
+                </a:solidFill>
+                <a:effectLst/>
+                <a:latin typeface="Courier New" panose="02070309020205020404" pitchFamily="49" charset="0"/>
+                <a:cs typeface="Courier New" panose="02070309020205020404" pitchFamily="49" charset="0"/>
+              </a:rPr>
+              <a:t>)</a:t>
+            </a:r>
+            <a:br>
+              <a:rPr kumimoji="0" lang="de-DE" altLang="de-DE" sz="1600" b="0" i="0" u="none" strike="noStrike" cap="none" normalizeH="0" baseline="0" dirty="0" smtClean="0">
+                <a:ln>
+                  <a:noFill/>
+                </a:ln>
+                <a:solidFill>
+                  <a:srgbClr val="000000"/>
+                </a:solidFill>
+                <a:effectLst/>
+                <a:latin typeface="Courier New" panose="02070309020205020404" pitchFamily="49" charset="0"/>
+                <a:cs typeface="Courier New" panose="02070309020205020404" pitchFamily="49" charset="0"/>
+              </a:rPr>
+            </a:br>
+            <a:r>
+              <a:rPr kumimoji="0" lang="de-DE" altLang="de-DE" sz="1600" b="0" i="0" u="none" strike="noStrike" cap="none" normalizeH="0" baseline="0" dirty="0" smtClean="0">
+                <a:ln>
+                  <a:noFill/>
+                </a:ln>
+                <a:solidFill>
+                  <a:srgbClr val="000000"/>
+                </a:solidFill>
+                <a:effectLst/>
+                <a:latin typeface="Courier New" panose="02070309020205020404" pitchFamily="49" charset="0"/>
+                <a:cs typeface="Courier New" panose="02070309020205020404" pitchFamily="49" charset="0"/>
+              </a:rPr>
+              <a:t>}</a:t>
+            </a:r>
+            <a:endParaRPr kumimoji="0" lang="de-DE" altLang="de-DE" sz="1600" b="0" i="0" u="none" strike="noStrike" cap="none" normalizeH="0" baseline="0" dirty="0" smtClean="0">
+              <a:ln>
+                <a:noFill/>
+              </a:ln>
+              <a:solidFill>
+                <a:schemeClr val="tx1"/>
+              </a:solidFill>
+              <a:effectLst/>
+              <a:latin typeface="Arial" panose="020B0604020202020204" pitchFamily="34" charset="0"/>
+            </a:endParaRPr>
+          </a:p>
+        </p:txBody>
+      </p:sp>
+      <p:sp>
+        <p:nvSpPr>
+          <p:cNvPr id="12" name="Rectangle 5"/>
+          <p:cNvSpPr>
+            <a:spLocks noChangeArrowheads="1"/>
+          </p:cNvSpPr>
+          <p:nvPr/>
+        </p:nvSpPr>
+        <p:spPr bwMode="auto">
+          <a:xfrm>
+            <a:off x="514205" y="2155369"/>
+            <a:ext cx="4875053" cy="338554"/>
+          </a:xfrm>
+          <a:prstGeom prst="rect">
+            <a:avLst/>
+          </a:prstGeom>
+          <a:solidFill>
+            <a:srgbClr val="FFFFFF"/>
+          </a:solidFill>
+          <a:ln>
+            <a:noFill/>
+          </a:ln>
+          <a:effectLst/>
+          <a:extLst>
+            <a:ext uri="{91240B29-F687-4F45-9708-019B960494DF}">
+              <a14:hiddenLine xmlns:a14="http://schemas.microsoft.com/office/drawing/2010/main" w="9525">
+                <a:solidFill>
+                  <a:schemeClr val="tx1"/>
+                </a:solidFill>
+                <a:miter lim="800000"/>
+                <a:headEnd/>
+                <a:tailEnd/>
+              </a14:hiddenLine>
+            </a:ext>
+            <a:ext uri="{AF507438-7753-43E0-B8FC-AC1667EBCBE1}">
+              <a14:hiddenEffects xmlns:a14="http://schemas.microsoft.com/office/drawing/2010/main">
+                <a:effectLst>
+                  <a:outerShdw dist="35921" dir="2700000" algn="ctr" rotWithShape="0">
+                    <a:schemeClr val="bg2"/>
+                  </a:outerShdw>
+                </a:effectLst>
+              </a14:hiddenEffects>
+            </a:ext>
+          </a:extLst>
+        </p:spPr>
+        <p:txBody>
+          <a:bodyPr vert="horz" wrap="none" lIns="91440" tIns="45720" rIns="91440" bIns="45720" numCol="1" anchor="ctr" anchorCtr="0" compatLnSpc="1">
+            <a:prstTxWarp prst="textNoShape">
+              <a:avLst/>
+            </a:prstTxWarp>
+            <a:spAutoFit/>
+          </a:bodyPr>
+          <a:lstStyle/>
+          <a:p>
+            <a:pPr marL="0" marR="0" lvl="0" indent="0" algn="l" defTabSz="914400" rtl="0" eaLnBrk="0" fontAlgn="base" latinLnBrk="0" hangingPunct="0">
+              <a:lnSpc>
+                <a:spcPct val="100000"/>
+              </a:lnSpc>
+              <a:spcBef>
+                <a:spcPct val="0"/>
+              </a:spcBef>
+              <a:spcAft>
+                <a:spcPct val="0"/>
+              </a:spcAft>
+              <a:buClrTx/>
+              <a:buSzTx/>
+              <a:buFontTx/>
+              <a:buNone/>
+              <a:tabLst/>
+            </a:pPr>
+            <a:r>
+              <a:rPr kumimoji="0" lang="de-DE" altLang="de-DE" sz="1600" b="0" i="0" u="none" strike="noStrike" cap="none" normalizeH="0" baseline="0" dirty="0" smtClean="0">
+                <a:ln>
+                  <a:noFill/>
+                </a:ln>
+                <a:solidFill>
+                  <a:srgbClr val="000000"/>
+                </a:solidFill>
+                <a:effectLst/>
+                <a:latin typeface="Courier New" panose="02070309020205020404" pitchFamily="49" charset="0"/>
+                <a:cs typeface="Courier New" panose="02070309020205020404" pitchFamily="49" charset="0"/>
+              </a:rPr>
+              <a:t>&lt;</a:t>
+            </a:r>
+            <a:r>
+              <a:rPr kumimoji="0" lang="de-DE" altLang="de-DE" sz="1600" b="1" i="0" u="none" strike="noStrike" cap="none" normalizeH="0" baseline="0" dirty="0" err="1" smtClean="0">
+                <a:ln>
+                  <a:noFill/>
+                </a:ln>
+                <a:solidFill>
+                  <a:srgbClr val="000080"/>
+                </a:solidFill>
+                <a:effectLst/>
+                <a:latin typeface="Courier New" panose="02070309020205020404" pitchFamily="49" charset="0"/>
+                <a:cs typeface="Courier New" panose="02070309020205020404" pitchFamily="49" charset="0"/>
+              </a:rPr>
+              <a:t>app</a:t>
+            </a:r>
+            <a:r>
+              <a:rPr kumimoji="0" lang="de-DE" altLang="de-DE" sz="1600" b="1" i="0" u="none" strike="noStrike" cap="none" normalizeH="0" baseline="0" dirty="0" smtClean="0">
+                <a:ln>
+                  <a:noFill/>
+                </a:ln>
+                <a:solidFill>
+                  <a:srgbClr val="000080"/>
+                </a:solidFill>
+                <a:effectLst/>
+                <a:latin typeface="Courier New" panose="02070309020205020404" pitchFamily="49" charset="0"/>
+                <a:cs typeface="Courier New" panose="02070309020205020404" pitchFamily="49" charset="0"/>
+              </a:rPr>
+              <a:t>-liga </a:t>
+            </a:r>
+            <a:r>
+              <a:rPr kumimoji="0" lang="de-DE" altLang="de-DE" sz="1600" b="1" i="0" u="none" strike="noStrike" cap="none" normalizeH="0" baseline="0" dirty="0" smtClean="0">
+                <a:ln>
+                  <a:noFill/>
+                </a:ln>
+                <a:solidFill>
+                  <a:srgbClr val="0000FF"/>
+                </a:solidFill>
+                <a:effectLst/>
+                <a:latin typeface="Courier New" panose="02070309020205020404" pitchFamily="49" charset="0"/>
+                <a:cs typeface="Courier New" panose="02070309020205020404" pitchFamily="49" charset="0"/>
+              </a:rPr>
+              <a:t>[(</a:t>
+            </a:r>
+            <a:r>
+              <a:rPr kumimoji="0" lang="de-DE" altLang="de-DE" sz="1600" b="1" i="0" u="none" strike="noStrike" cap="none" normalizeH="0" baseline="0" dirty="0" err="1" smtClean="0">
+                <a:ln>
+                  <a:noFill/>
+                </a:ln>
+                <a:solidFill>
+                  <a:srgbClr val="0000FF"/>
+                </a:solidFill>
+                <a:effectLst/>
+                <a:latin typeface="Courier New" panose="02070309020205020404" pitchFamily="49" charset="0"/>
+                <a:cs typeface="Courier New" panose="02070309020205020404" pitchFamily="49" charset="0"/>
+              </a:rPr>
+              <a:t>liga</a:t>
+            </a:r>
+            <a:r>
+              <a:rPr kumimoji="0" lang="de-DE" altLang="de-DE" sz="1600" b="1" i="0" u="none" strike="noStrike" cap="none" normalizeH="0" baseline="0" dirty="0" smtClean="0">
+                <a:ln>
+                  <a:noFill/>
+                </a:ln>
+                <a:solidFill>
+                  <a:srgbClr val="0000FF"/>
+                </a:solidFill>
+                <a:effectLst/>
+                <a:latin typeface="Courier New" panose="02070309020205020404" pitchFamily="49" charset="0"/>
+                <a:cs typeface="Courier New" panose="02070309020205020404" pitchFamily="49" charset="0"/>
+              </a:rPr>
+              <a:t>)]=</a:t>
+            </a:r>
+            <a:r>
+              <a:rPr kumimoji="0" lang="de-DE" altLang="de-DE" sz="1600" b="1" i="0" u="none" strike="noStrike" cap="none" normalizeH="0" baseline="0" dirty="0" smtClean="0">
+                <a:ln>
+                  <a:noFill/>
+                </a:ln>
+                <a:solidFill>
+                  <a:srgbClr val="008000"/>
+                </a:solidFill>
+                <a:effectLst/>
+                <a:latin typeface="Courier New" panose="02070309020205020404" pitchFamily="49" charset="0"/>
+                <a:cs typeface="Courier New" panose="02070309020205020404" pitchFamily="49" charset="0"/>
+              </a:rPr>
+              <a:t>"</a:t>
+            </a:r>
+            <a:r>
+              <a:rPr kumimoji="0" lang="de-DE" altLang="de-DE" sz="1600" b="1" i="0" u="none" strike="noStrike" cap="none" normalizeH="0" baseline="0" dirty="0" err="1" smtClean="0">
+                <a:ln>
+                  <a:noFill/>
+                </a:ln>
+                <a:solidFill>
+                  <a:srgbClr val="7A7A43"/>
+                </a:solidFill>
+                <a:effectLst/>
+                <a:latin typeface="Courier New" panose="02070309020205020404" pitchFamily="49" charset="0"/>
+                <a:cs typeface="Courier New" panose="02070309020205020404" pitchFamily="49" charset="0"/>
+              </a:rPr>
+              <a:t>liga</a:t>
+            </a:r>
+            <a:r>
+              <a:rPr kumimoji="0" lang="de-DE" altLang="de-DE" sz="1600" b="1" i="0" u="none" strike="noStrike" cap="none" normalizeH="0" baseline="0" dirty="0" smtClean="0">
+                <a:ln>
+                  <a:noFill/>
+                </a:ln>
+                <a:solidFill>
+                  <a:srgbClr val="008000"/>
+                </a:solidFill>
+                <a:effectLst/>
+                <a:latin typeface="Courier New" panose="02070309020205020404" pitchFamily="49" charset="0"/>
+                <a:cs typeface="Courier New" panose="02070309020205020404" pitchFamily="49" charset="0"/>
+              </a:rPr>
+              <a:t>" </a:t>
+            </a:r>
+            <a:r>
+              <a:rPr kumimoji="0" lang="de-DE" altLang="de-DE" sz="1600" b="0" i="0" u="none" strike="noStrike" cap="none" normalizeH="0" baseline="0" dirty="0" smtClean="0">
+                <a:ln>
+                  <a:noFill/>
+                </a:ln>
+                <a:solidFill>
+                  <a:srgbClr val="000000"/>
+                </a:solidFill>
+                <a:effectLst/>
+                <a:latin typeface="Courier New" panose="02070309020205020404" pitchFamily="49" charset="0"/>
+                <a:cs typeface="Courier New" panose="02070309020205020404" pitchFamily="49" charset="0"/>
+              </a:rPr>
+              <a:t>&gt;&lt;/</a:t>
+            </a:r>
+            <a:r>
+              <a:rPr kumimoji="0" lang="de-DE" altLang="de-DE" sz="1600" b="1" i="0" u="none" strike="noStrike" cap="none" normalizeH="0" baseline="0" dirty="0" err="1" smtClean="0">
+                <a:ln>
+                  <a:noFill/>
+                </a:ln>
+                <a:solidFill>
+                  <a:srgbClr val="000080"/>
+                </a:solidFill>
+                <a:effectLst/>
+                <a:latin typeface="Courier New" panose="02070309020205020404" pitchFamily="49" charset="0"/>
+                <a:cs typeface="Courier New" panose="02070309020205020404" pitchFamily="49" charset="0"/>
+              </a:rPr>
+              <a:t>app</a:t>
+            </a:r>
+            <a:r>
+              <a:rPr kumimoji="0" lang="de-DE" altLang="de-DE" sz="1600" b="1" i="0" u="none" strike="noStrike" cap="none" normalizeH="0" baseline="0" dirty="0" smtClean="0">
+                <a:ln>
+                  <a:noFill/>
+                </a:ln>
+                <a:solidFill>
+                  <a:srgbClr val="000080"/>
+                </a:solidFill>
+                <a:effectLst/>
+                <a:latin typeface="Courier New" panose="02070309020205020404" pitchFamily="49" charset="0"/>
+                <a:cs typeface="Courier New" panose="02070309020205020404" pitchFamily="49" charset="0"/>
+              </a:rPr>
+              <a:t>-liga</a:t>
+            </a:r>
+            <a:r>
+              <a:rPr kumimoji="0" lang="de-DE" altLang="de-DE" sz="1600" b="0" i="0" u="none" strike="noStrike" cap="none" normalizeH="0" baseline="0" dirty="0" smtClean="0">
+                <a:ln>
+                  <a:noFill/>
+                </a:ln>
+                <a:solidFill>
+                  <a:srgbClr val="000000"/>
+                </a:solidFill>
+                <a:effectLst/>
+                <a:latin typeface="Courier New" panose="02070309020205020404" pitchFamily="49" charset="0"/>
+                <a:cs typeface="Courier New" panose="02070309020205020404" pitchFamily="49" charset="0"/>
+              </a:rPr>
+              <a:t>&gt;</a:t>
+            </a:r>
+            <a:endParaRPr kumimoji="0" lang="de-DE" altLang="de-DE" sz="1600" b="0" i="0" u="none" strike="noStrike" cap="none" normalizeH="0" baseline="0" dirty="0" smtClean="0">
+              <a:ln>
+                <a:noFill/>
+              </a:ln>
+              <a:solidFill>
+                <a:schemeClr val="tx1"/>
+              </a:solidFill>
+              <a:effectLst/>
+              <a:latin typeface="Arial" panose="020B0604020202020204" pitchFamily="34" charset="0"/>
+            </a:endParaRPr>
+          </a:p>
+        </p:txBody>
+      </p:sp>
     </p:spTree>
     <p:extLst>
       <p:ext uri="{BB962C8B-B14F-4D97-AF65-F5344CB8AC3E}">
-        <p14:creationId xmlns:p14="http://schemas.microsoft.com/office/powerpoint/2010/main" val="3686578885"/>
+        <p14:creationId xmlns:p14="http://schemas.microsoft.com/office/powerpoint/2010/main" val="910473093"/>
       </p:ext>
     </p:extLst>
   </p:cSld>
@@ -5653,7 +7141,7 @@
                   <a:srgbClr val="404040"/>
                 </a:solidFill>
               </a:rPr>
-              <a:t>Services</a:t>
+              <a:t>Event-Handling</a:t>
             </a:r>
             <a:endParaRPr lang="de-DE" altLang="de-DE" sz="2400" b="0" dirty="0">
               <a:solidFill>
@@ -5738,7 +7226,574 @@
       </p:sp>
       <p:sp>
         <p:nvSpPr>
-          <p:cNvPr id="8" name="Text Box 4"/>
+          <p:cNvPr id="3" name="Rectangle 2"/>
+          <p:cNvSpPr>
+            <a:spLocks noChangeArrowheads="1"/>
+          </p:cNvSpPr>
+          <p:nvPr/>
+        </p:nvSpPr>
+        <p:spPr bwMode="auto">
+          <a:xfrm>
+            <a:off x="352697" y="2007662"/>
+            <a:ext cx="8084264" cy="830997"/>
+          </a:xfrm>
+          <a:prstGeom prst="rect">
+            <a:avLst/>
+          </a:prstGeom>
+          <a:solidFill>
+            <a:srgbClr val="FFFFFF"/>
+          </a:solidFill>
+          <a:ln>
+            <a:noFill/>
+          </a:ln>
+          <a:effectLst/>
+          <a:extLst>
+            <a:ext uri="{91240B29-F687-4F45-9708-019B960494DF}">
+              <a14:hiddenLine xmlns:a14="http://schemas.microsoft.com/office/drawing/2010/main" w="9525">
+                <a:solidFill>
+                  <a:schemeClr val="tx1"/>
+                </a:solidFill>
+                <a:miter lim="800000"/>
+                <a:headEnd/>
+                <a:tailEnd/>
+              </a14:hiddenLine>
+            </a:ext>
+            <a:ext uri="{AF507438-7753-43E0-B8FC-AC1667EBCBE1}">
+              <a14:hiddenEffects xmlns:a14="http://schemas.microsoft.com/office/drawing/2010/main">
+                <a:effectLst>
+                  <a:outerShdw dist="35921" dir="2700000" algn="ctr" rotWithShape="0">
+                    <a:schemeClr val="bg2"/>
+                  </a:outerShdw>
+                </a:effectLst>
+              </a14:hiddenEffects>
+            </a:ext>
+          </a:extLst>
+        </p:spPr>
+        <p:txBody>
+          <a:bodyPr vert="horz" wrap="none" lIns="91440" tIns="45720" rIns="91440" bIns="45720" numCol="1" anchor="ctr" anchorCtr="0" compatLnSpc="1">
+            <a:prstTxWarp prst="textNoShape">
+              <a:avLst/>
+            </a:prstTxWarp>
+            <a:spAutoFit/>
+          </a:bodyPr>
+          <a:lstStyle/>
+          <a:p>
+            <a:pPr marL="0" marR="0" lvl="0" indent="0" algn="l" defTabSz="914400" rtl="0" eaLnBrk="0" fontAlgn="base" latinLnBrk="0" hangingPunct="0">
+              <a:lnSpc>
+                <a:spcPct val="100000"/>
+              </a:lnSpc>
+              <a:spcBef>
+                <a:spcPct val="0"/>
+              </a:spcBef>
+              <a:spcAft>
+                <a:spcPct val="0"/>
+              </a:spcAft>
+              <a:buClrTx/>
+              <a:buSzTx/>
+              <a:buFontTx/>
+              <a:buNone/>
+              <a:tabLst/>
+            </a:pPr>
+            <a:r>
+              <a:rPr kumimoji="0" lang="de-DE" altLang="de-DE" sz="1600" b="0" i="0" u="none" strike="noStrike" cap="none" normalizeH="0" baseline="0" dirty="0" smtClean="0">
+                <a:ln>
+                  <a:noFill/>
+                </a:ln>
+                <a:solidFill>
+                  <a:srgbClr val="000000"/>
+                </a:solidFill>
+                <a:effectLst/>
+                <a:latin typeface="Courier New" panose="02070309020205020404" pitchFamily="49" charset="0"/>
+                <a:cs typeface="Courier New" panose="02070309020205020404" pitchFamily="49" charset="0"/>
+              </a:rPr>
+              <a:t>&lt;</a:t>
+            </a:r>
+            <a:r>
+              <a:rPr kumimoji="0" lang="de-DE" altLang="de-DE" sz="1600" b="1" i="0" u="none" strike="noStrike" cap="none" normalizeH="0" baseline="0" dirty="0" err="1" smtClean="0">
+                <a:ln>
+                  <a:noFill/>
+                </a:ln>
+                <a:solidFill>
+                  <a:srgbClr val="000080"/>
+                </a:solidFill>
+                <a:effectLst/>
+                <a:latin typeface="Courier New" panose="02070309020205020404" pitchFamily="49" charset="0"/>
+                <a:cs typeface="Courier New" panose="02070309020205020404" pitchFamily="49" charset="0"/>
+              </a:rPr>
+              <a:t>button</a:t>
+            </a:r>
+            <a:r>
+              <a:rPr kumimoji="0" lang="de-DE" altLang="de-DE" sz="1600" b="1" i="0" u="none" strike="noStrike" cap="none" normalizeH="0" baseline="0" dirty="0" smtClean="0">
+                <a:ln>
+                  <a:noFill/>
+                </a:ln>
+                <a:solidFill>
+                  <a:srgbClr val="000080"/>
+                </a:solidFill>
+                <a:effectLst/>
+                <a:latin typeface="Courier New" panose="02070309020205020404" pitchFamily="49" charset="0"/>
+                <a:cs typeface="Courier New" panose="02070309020205020404" pitchFamily="49" charset="0"/>
+              </a:rPr>
+              <a:t> </a:t>
+            </a:r>
+            <a:r>
+              <a:rPr kumimoji="0" lang="de-DE" altLang="de-DE" sz="1600" b="1" i="0" u="none" strike="noStrike" cap="none" normalizeH="0" baseline="0" dirty="0" smtClean="0">
+                <a:ln>
+                  <a:noFill/>
+                </a:ln>
+                <a:solidFill>
+                  <a:srgbClr val="0000FF"/>
+                </a:solidFill>
+                <a:effectLst/>
+                <a:latin typeface="Courier New" panose="02070309020205020404" pitchFamily="49" charset="0"/>
+                <a:cs typeface="Courier New" panose="02070309020205020404" pitchFamily="49" charset="0"/>
+              </a:rPr>
+              <a:t>*</a:t>
+            </a:r>
+            <a:r>
+              <a:rPr kumimoji="0" lang="de-DE" altLang="de-DE" sz="1600" b="1" i="0" u="none" strike="noStrike" cap="none" normalizeH="0" baseline="0" dirty="0" err="1" smtClean="0">
+                <a:ln>
+                  <a:noFill/>
+                </a:ln>
+                <a:solidFill>
+                  <a:srgbClr val="0000FF"/>
+                </a:solidFill>
+                <a:effectLst/>
+                <a:latin typeface="Courier New" panose="02070309020205020404" pitchFamily="49" charset="0"/>
+                <a:cs typeface="Courier New" panose="02070309020205020404" pitchFamily="49" charset="0"/>
+              </a:rPr>
+              <a:t>ngFor</a:t>
+            </a:r>
+            <a:r>
+              <a:rPr kumimoji="0" lang="de-DE" altLang="de-DE" sz="1600" b="1" i="0" u="none" strike="noStrike" cap="none" normalizeH="0" baseline="0" dirty="0" smtClean="0">
+                <a:ln>
+                  <a:noFill/>
+                </a:ln>
+                <a:solidFill>
+                  <a:srgbClr val="0000FF"/>
+                </a:solidFill>
+                <a:effectLst/>
+                <a:latin typeface="Courier New" panose="02070309020205020404" pitchFamily="49" charset="0"/>
+                <a:cs typeface="Courier New" panose="02070309020205020404" pitchFamily="49" charset="0"/>
+              </a:rPr>
+              <a:t>=</a:t>
+            </a:r>
+            <a:r>
+              <a:rPr kumimoji="0" lang="de-DE" altLang="de-DE" sz="1600" b="1" i="0" u="none" strike="noStrike" cap="none" normalizeH="0" baseline="0" dirty="0" smtClean="0">
+                <a:ln>
+                  <a:noFill/>
+                </a:ln>
+                <a:solidFill>
+                  <a:srgbClr val="008000"/>
+                </a:solidFill>
+                <a:effectLst/>
+                <a:latin typeface="Courier New" panose="02070309020205020404" pitchFamily="49" charset="0"/>
+                <a:cs typeface="Courier New" panose="02070309020205020404" pitchFamily="49" charset="0"/>
+              </a:rPr>
+              <a:t>"</a:t>
+            </a:r>
+            <a:r>
+              <a:rPr kumimoji="0" lang="de-DE" altLang="de-DE" sz="1600" b="1" i="0" u="none" strike="noStrike" cap="none" normalizeH="0" baseline="0" dirty="0" err="1" smtClean="0">
+                <a:ln>
+                  <a:noFill/>
+                </a:ln>
+                <a:solidFill>
+                  <a:srgbClr val="008000"/>
+                </a:solidFill>
+                <a:effectLst/>
+                <a:latin typeface="Courier New" panose="02070309020205020404" pitchFamily="49" charset="0"/>
+                <a:cs typeface="Courier New" panose="02070309020205020404" pitchFamily="49" charset="0"/>
+              </a:rPr>
+              <a:t>let</a:t>
+            </a:r>
+            <a:r>
+              <a:rPr kumimoji="0" lang="de-DE" altLang="de-DE" sz="1600" b="1" i="0" u="none" strike="noStrike" cap="none" normalizeH="0" baseline="0" dirty="0" smtClean="0">
+                <a:ln>
+                  <a:noFill/>
+                </a:ln>
+                <a:solidFill>
+                  <a:srgbClr val="008000"/>
+                </a:solidFill>
+                <a:effectLst/>
+                <a:latin typeface="Courier New" panose="02070309020205020404" pitchFamily="49" charset="0"/>
+                <a:cs typeface="Courier New" panose="02070309020205020404" pitchFamily="49" charset="0"/>
+              </a:rPr>
+              <a:t> </a:t>
+            </a:r>
+            <a:r>
+              <a:rPr kumimoji="0" lang="de-DE" altLang="de-DE" sz="1600" b="1" i="1" u="none" strike="noStrike" cap="none" normalizeH="0" baseline="0" dirty="0" err="1" smtClean="0">
+                <a:ln>
+                  <a:noFill/>
+                </a:ln>
+                <a:solidFill>
+                  <a:srgbClr val="660E7A"/>
+                </a:solidFill>
+                <a:effectLst/>
+                <a:latin typeface="Courier New" panose="02070309020205020404" pitchFamily="49" charset="0"/>
+                <a:cs typeface="Courier New" panose="02070309020205020404" pitchFamily="49" charset="0"/>
+              </a:rPr>
+              <a:t>lig</a:t>
+            </a:r>
+            <a:r>
+              <a:rPr kumimoji="0" lang="de-DE" altLang="de-DE" sz="1600" b="1" i="0" u="none" strike="noStrike" cap="none" normalizeH="0" baseline="0" dirty="0" smtClean="0">
+                <a:ln>
+                  <a:noFill/>
+                </a:ln>
+                <a:solidFill>
+                  <a:srgbClr val="008000"/>
+                </a:solidFill>
+                <a:effectLst/>
+                <a:latin typeface="Courier New" panose="02070309020205020404" pitchFamily="49" charset="0"/>
+                <a:cs typeface="Courier New" panose="02070309020205020404" pitchFamily="49" charset="0"/>
+              </a:rPr>
+              <a:t> </a:t>
+            </a:r>
+            <a:r>
+              <a:rPr kumimoji="0" lang="de-DE" altLang="de-DE" sz="1600" b="1" i="0" u="none" strike="noStrike" cap="none" normalizeH="0" baseline="0" dirty="0" err="1" smtClean="0">
+                <a:ln>
+                  <a:noFill/>
+                </a:ln>
+                <a:solidFill>
+                  <a:srgbClr val="008000"/>
+                </a:solidFill>
+                <a:effectLst/>
+                <a:latin typeface="Courier New" panose="02070309020205020404" pitchFamily="49" charset="0"/>
+                <a:cs typeface="Courier New" panose="02070309020205020404" pitchFamily="49" charset="0"/>
+              </a:rPr>
+              <a:t>of</a:t>
+            </a:r>
+            <a:r>
+              <a:rPr kumimoji="0" lang="de-DE" altLang="de-DE" sz="1600" b="1" i="0" u="none" strike="noStrike" cap="none" normalizeH="0" baseline="0" dirty="0" smtClean="0">
+                <a:ln>
+                  <a:noFill/>
+                </a:ln>
+                <a:solidFill>
+                  <a:srgbClr val="008000"/>
+                </a:solidFill>
+                <a:effectLst/>
+                <a:latin typeface="Courier New" panose="02070309020205020404" pitchFamily="49" charset="0"/>
+                <a:cs typeface="Courier New" panose="02070309020205020404" pitchFamily="49" charset="0"/>
+              </a:rPr>
+              <a:t> </a:t>
+            </a:r>
+            <a:r>
+              <a:rPr kumimoji="0" lang="de-DE" altLang="de-DE" sz="1600" b="1" i="0" u="none" strike="noStrike" cap="none" normalizeH="0" baseline="0" dirty="0" err="1" smtClean="0">
+                <a:ln>
+                  <a:noFill/>
+                </a:ln>
+                <a:solidFill>
+                  <a:srgbClr val="7A7A43"/>
+                </a:solidFill>
+                <a:effectLst/>
+                <a:latin typeface="Courier New" panose="02070309020205020404" pitchFamily="49" charset="0"/>
+                <a:cs typeface="Courier New" panose="02070309020205020404" pitchFamily="49" charset="0"/>
+              </a:rPr>
+              <a:t>ligen</a:t>
+            </a:r>
+            <a:r>
+              <a:rPr kumimoji="0" lang="de-DE" altLang="de-DE" sz="1600" b="1" i="0" u="none" strike="noStrike" cap="none" normalizeH="0" baseline="0" dirty="0" smtClean="0">
+                <a:ln>
+                  <a:noFill/>
+                </a:ln>
+                <a:solidFill>
+                  <a:srgbClr val="008000"/>
+                </a:solidFill>
+                <a:effectLst/>
+                <a:latin typeface="Courier New" panose="02070309020205020404" pitchFamily="49" charset="0"/>
+                <a:cs typeface="Courier New" panose="02070309020205020404" pitchFamily="49" charset="0"/>
+              </a:rPr>
+              <a:t>()" </a:t>
+            </a:r>
+            <a:r>
+              <a:rPr kumimoji="0" lang="de-DE" altLang="de-DE" sz="1600" b="1" i="0" u="none" strike="noStrike" cap="none" normalizeH="0" baseline="0" dirty="0" smtClean="0">
+                <a:ln>
+                  <a:noFill/>
+                </a:ln>
+                <a:solidFill>
+                  <a:srgbClr val="0000FF"/>
+                </a:solidFill>
+                <a:effectLst/>
+                <a:latin typeface="Courier New" panose="02070309020205020404" pitchFamily="49" charset="0"/>
+                <a:cs typeface="Courier New" panose="02070309020205020404" pitchFamily="49" charset="0"/>
+              </a:rPr>
+              <a:t>(</a:t>
+            </a:r>
+            <a:r>
+              <a:rPr kumimoji="0" lang="de-DE" altLang="de-DE" sz="1600" b="1" i="0" u="none" strike="noStrike" cap="none" normalizeH="0" baseline="0" dirty="0" err="1" smtClean="0">
+                <a:ln>
+                  <a:noFill/>
+                </a:ln>
+                <a:solidFill>
+                  <a:srgbClr val="0000FF"/>
+                </a:solidFill>
+                <a:effectLst/>
+                <a:latin typeface="Courier New" panose="02070309020205020404" pitchFamily="49" charset="0"/>
+                <a:cs typeface="Courier New" panose="02070309020205020404" pitchFamily="49" charset="0"/>
+              </a:rPr>
+              <a:t>click</a:t>
+            </a:r>
+            <a:r>
+              <a:rPr kumimoji="0" lang="de-DE" altLang="de-DE" sz="1600" b="1" i="0" u="none" strike="noStrike" cap="none" normalizeH="0" baseline="0" dirty="0" smtClean="0">
+                <a:ln>
+                  <a:noFill/>
+                </a:ln>
+                <a:solidFill>
+                  <a:srgbClr val="0000FF"/>
+                </a:solidFill>
+                <a:effectLst/>
+                <a:latin typeface="Courier New" panose="02070309020205020404" pitchFamily="49" charset="0"/>
+                <a:cs typeface="Courier New" panose="02070309020205020404" pitchFamily="49" charset="0"/>
+              </a:rPr>
+              <a:t>)=</a:t>
+            </a:r>
+            <a:r>
+              <a:rPr kumimoji="0" lang="de-DE" altLang="de-DE" sz="1600" b="1" i="0" u="none" strike="noStrike" cap="none" normalizeH="0" baseline="0" dirty="0" smtClean="0">
+                <a:ln>
+                  <a:noFill/>
+                </a:ln>
+                <a:solidFill>
+                  <a:srgbClr val="008000"/>
+                </a:solidFill>
+                <a:effectLst/>
+                <a:latin typeface="Courier New" panose="02070309020205020404" pitchFamily="49" charset="0"/>
+                <a:cs typeface="Courier New" panose="02070309020205020404" pitchFamily="49" charset="0"/>
+              </a:rPr>
+              <a:t>"</a:t>
+            </a:r>
+            <a:r>
+              <a:rPr kumimoji="0" lang="de-DE" altLang="de-DE" sz="1600" b="1" i="0" u="none" strike="noStrike" cap="none" normalizeH="0" baseline="0" dirty="0" err="1" smtClean="0">
+                <a:ln>
+                  <a:noFill/>
+                </a:ln>
+                <a:solidFill>
+                  <a:srgbClr val="7A7A43"/>
+                </a:solidFill>
+                <a:effectLst/>
+                <a:latin typeface="Courier New" panose="02070309020205020404" pitchFamily="49" charset="0"/>
+                <a:cs typeface="Courier New" panose="02070309020205020404" pitchFamily="49" charset="0"/>
+              </a:rPr>
+              <a:t>updateLiga</a:t>
+            </a:r>
+            <a:r>
+              <a:rPr kumimoji="0" lang="de-DE" altLang="de-DE" sz="1600" b="1" i="0" u="none" strike="noStrike" cap="none" normalizeH="0" baseline="0" dirty="0" smtClean="0">
+                <a:ln>
+                  <a:noFill/>
+                </a:ln>
+                <a:solidFill>
+                  <a:srgbClr val="008000"/>
+                </a:solidFill>
+                <a:effectLst/>
+                <a:latin typeface="Courier New" panose="02070309020205020404" pitchFamily="49" charset="0"/>
+                <a:cs typeface="Courier New" panose="02070309020205020404" pitchFamily="49" charset="0"/>
+              </a:rPr>
+              <a:t>(</a:t>
+            </a:r>
+            <a:r>
+              <a:rPr kumimoji="0" lang="de-DE" altLang="de-DE" sz="1600" b="1" i="1" u="none" strike="noStrike" cap="none" normalizeH="0" baseline="0" dirty="0" err="1" smtClean="0">
+                <a:ln>
+                  <a:noFill/>
+                </a:ln>
+                <a:solidFill>
+                  <a:srgbClr val="660E7A"/>
+                </a:solidFill>
+                <a:effectLst/>
+                <a:latin typeface="Courier New" panose="02070309020205020404" pitchFamily="49" charset="0"/>
+                <a:cs typeface="Courier New" panose="02070309020205020404" pitchFamily="49" charset="0"/>
+              </a:rPr>
+              <a:t>lig</a:t>
+            </a:r>
+            <a:r>
+              <a:rPr kumimoji="0" lang="de-DE" altLang="de-DE" sz="1600" b="1" i="0" u="none" strike="noStrike" cap="none" normalizeH="0" baseline="0" dirty="0" smtClean="0">
+                <a:ln>
+                  <a:noFill/>
+                </a:ln>
+                <a:solidFill>
+                  <a:srgbClr val="008000"/>
+                </a:solidFill>
+                <a:effectLst/>
+                <a:latin typeface="Courier New" panose="02070309020205020404" pitchFamily="49" charset="0"/>
+                <a:cs typeface="Courier New" panose="02070309020205020404" pitchFamily="49" charset="0"/>
+              </a:rPr>
+              <a:t>)"</a:t>
+            </a:r>
+            <a:r>
+              <a:rPr kumimoji="0" lang="de-DE" altLang="de-DE" sz="1600" b="0" i="0" u="none" strike="noStrike" cap="none" normalizeH="0" baseline="0" dirty="0" smtClean="0">
+                <a:ln>
+                  <a:noFill/>
+                </a:ln>
+                <a:solidFill>
+                  <a:srgbClr val="000000"/>
+                </a:solidFill>
+                <a:effectLst/>
+                <a:latin typeface="Courier New" panose="02070309020205020404" pitchFamily="49" charset="0"/>
+                <a:cs typeface="Courier New" panose="02070309020205020404" pitchFamily="49" charset="0"/>
+              </a:rPr>
+              <a:t>&gt;</a:t>
+            </a:r>
+            <a:br>
+              <a:rPr kumimoji="0" lang="de-DE" altLang="de-DE" sz="1600" b="0" i="0" u="none" strike="noStrike" cap="none" normalizeH="0" baseline="0" dirty="0" smtClean="0">
+                <a:ln>
+                  <a:noFill/>
+                </a:ln>
+                <a:solidFill>
+                  <a:srgbClr val="000000"/>
+                </a:solidFill>
+                <a:effectLst/>
+                <a:latin typeface="Courier New" panose="02070309020205020404" pitchFamily="49" charset="0"/>
+                <a:cs typeface="Courier New" panose="02070309020205020404" pitchFamily="49" charset="0"/>
+              </a:rPr>
+            </a:br>
+            <a:r>
+              <a:rPr kumimoji="0" lang="de-DE" altLang="de-DE" sz="1600" b="0" i="0" u="none" strike="noStrike" cap="none" normalizeH="0" baseline="0" dirty="0" smtClean="0">
+                <a:ln>
+                  <a:noFill/>
+                </a:ln>
+                <a:solidFill>
+                  <a:srgbClr val="000000"/>
+                </a:solidFill>
+                <a:effectLst/>
+                <a:latin typeface="Courier New" panose="02070309020205020404" pitchFamily="49" charset="0"/>
+                <a:cs typeface="Courier New" panose="02070309020205020404" pitchFamily="49" charset="0"/>
+              </a:rPr>
+              <a:t>  {{</a:t>
+            </a:r>
+            <a:r>
+              <a:rPr kumimoji="0" lang="de-DE" altLang="de-DE" sz="1600" b="1" i="1" u="none" strike="noStrike" cap="none" normalizeH="0" baseline="0" dirty="0" err="1" smtClean="0">
+                <a:ln>
+                  <a:noFill/>
+                </a:ln>
+                <a:solidFill>
+                  <a:srgbClr val="660E7A"/>
+                </a:solidFill>
+                <a:effectLst/>
+                <a:latin typeface="Courier New" panose="02070309020205020404" pitchFamily="49" charset="0"/>
+                <a:cs typeface="Courier New" panose="02070309020205020404" pitchFamily="49" charset="0"/>
+              </a:rPr>
+              <a:t>lig</a:t>
+            </a:r>
+            <a:r>
+              <a:rPr kumimoji="0" lang="de-DE" altLang="de-DE" sz="1600" b="0" i="0" u="none" strike="noStrike" cap="none" normalizeH="0" baseline="0" dirty="0" smtClean="0">
+                <a:ln>
+                  <a:noFill/>
+                </a:ln>
+                <a:solidFill>
+                  <a:srgbClr val="000000"/>
+                </a:solidFill>
+                <a:effectLst/>
+                <a:latin typeface="Courier New" panose="02070309020205020404" pitchFamily="49" charset="0"/>
+                <a:cs typeface="Courier New" panose="02070309020205020404" pitchFamily="49" charset="0"/>
+              </a:rPr>
+              <a:t>}}</a:t>
+            </a:r>
+            <a:br>
+              <a:rPr kumimoji="0" lang="de-DE" altLang="de-DE" sz="1600" b="0" i="0" u="none" strike="noStrike" cap="none" normalizeH="0" baseline="0" dirty="0" smtClean="0">
+                <a:ln>
+                  <a:noFill/>
+                </a:ln>
+                <a:solidFill>
+                  <a:srgbClr val="000000"/>
+                </a:solidFill>
+                <a:effectLst/>
+                <a:latin typeface="Courier New" panose="02070309020205020404" pitchFamily="49" charset="0"/>
+                <a:cs typeface="Courier New" panose="02070309020205020404" pitchFamily="49" charset="0"/>
+              </a:rPr>
+            </a:br>
+            <a:r>
+              <a:rPr kumimoji="0" lang="de-DE" altLang="de-DE" sz="1600" b="0" i="0" u="none" strike="noStrike" cap="none" normalizeH="0" baseline="0" dirty="0" smtClean="0">
+                <a:ln>
+                  <a:noFill/>
+                </a:ln>
+                <a:solidFill>
+                  <a:srgbClr val="000000"/>
+                </a:solidFill>
+                <a:effectLst/>
+                <a:latin typeface="Courier New" panose="02070309020205020404" pitchFamily="49" charset="0"/>
+                <a:cs typeface="Courier New" panose="02070309020205020404" pitchFamily="49" charset="0"/>
+              </a:rPr>
+              <a:t>&lt;/</a:t>
+            </a:r>
+            <a:r>
+              <a:rPr kumimoji="0" lang="de-DE" altLang="de-DE" sz="1600" b="1" i="0" u="none" strike="noStrike" cap="none" normalizeH="0" baseline="0" dirty="0" err="1" smtClean="0">
+                <a:ln>
+                  <a:noFill/>
+                </a:ln>
+                <a:solidFill>
+                  <a:srgbClr val="000080"/>
+                </a:solidFill>
+                <a:effectLst/>
+                <a:latin typeface="Courier New" panose="02070309020205020404" pitchFamily="49" charset="0"/>
+                <a:cs typeface="Courier New" panose="02070309020205020404" pitchFamily="49" charset="0"/>
+              </a:rPr>
+              <a:t>button</a:t>
+            </a:r>
+            <a:r>
+              <a:rPr kumimoji="0" lang="de-DE" altLang="de-DE" sz="1600" b="0" i="0" u="none" strike="noStrike" cap="none" normalizeH="0" baseline="0" dirty="0" smtClean="0">
+                <a:ln>
+                  <a:noFill/>
+                </a:ln>
+                <a:solidFill>
+                  <a:srgbClr val="000000"/>
+                </a:solidFill>
+                <a:effectLst/>
+                <a:latin typeface="Courier New" panose="02070309020205020404" pitchFamily="49" charset="0"/>
+                <a:cs typeface="Courier New" panose="02070309020205020404" pitchFamily="49" charset="0"/>
+              </a:rPr>
+              <a:t>&gt;</a:t>
+            </a:r>
+            <a:endParaRPr kumimoji="0" lang="de-DE" altLang="de-DE" sz="1600" b="0" i="0" u="none" strike="noStrike" cap="none" normalizeH="0" baseline="0" dirty="0" smtClean="0">
+              <a:ln>
+                <a:noFill/>
+              </a:ln>
+              <a:solidFill>
+                <a:schemeClr val="tx1"/>
+              </a:solidFill>
+              <a:effectLst/>
+              <a:latin typeface="Arial" panose="020B0604020202020204" pitchFamily="34" charset="0"/>
+            </a:endParaRPr>
+          </a:p>
+        </p:txBody>
+      </p:sp>
+    </p:spTree>
+    <p:extLst>
+      <p:ext uri="{BB962C8B-B14F-4D97-AF65-F5344CB8AC3E}">
+        <p14:creationId xmlns:p14="http://schemas.microsoft.com/office/powerpoint/2010/main" val="3686578885"/>
+      </p:ext>
+    </p:extLst>
+  </p:cSld>
+  <p:clrMapOvr>
+    <a:masterClrMapping/>
+  </p:clrMapOvr>
+  <p:transition/>
+  <p:timing>
+    <p:tnLst>
+      <p:par>
+        <p:cTn id="1" dur="indefinite" restart="never" nodeType="tmRoot"/>
+      </p:par>
+    </p:tnLst>
+  </p:timing>
+</p:sld>
+</file>
+
+<file path=ppt/slides/slide14.xml><?xml version="1.0" encoding="utf-8"?>
+<p:sld xmlns:a="http://schemas.openxmlformats.org/drawingml/2006/main" xmlns:r="http://schemas.openxmlformats.org/officeDocument/2006/relationships" xmlns:p="http://schemas.openxmlformats.org/presentationml/2006/main">
+  <p:cSld>
+    <p:spTree>
+      <p:nvGrpSpPr>
+        <p:cNvPr id="1" name=""/>
+        <p:cNvGrpSpPr/>
+        <p:nvPr/>
+      </p:nvGrpSpPr>
+      <p:grpSpPr>
+        <a:xfrm>
+          <a:off x="0" y="0"/>
+          <a:ext cx="0" cy="0"/>
+          <a:chOff x="0" y="0"/>
+          <a:chExt cx="0" cy="0"/>
+        </a:xfrm>
+      </p:grpSpPr>
+      <p:sp>
+        <p:nvSpPr>
+          <p:cNvPr id="7" name="Rectangle 7"/>
           <p:cNvSpPr txBox="1">
             <a:spLocks noChangeArrowheads="1"/>
           </p:cNvSpPr>
@@ -5746,55 +7801,1324 @@
         </p:nvSpPr>
         <p:spPr bwMode="auto">
           <a:xfrm>
-            <a:off x="180000" y="1572554"/>
-            <a:ext cx="8643938" cy="4204131"/>
+            <a:off x="180000" y="325438"/>
+            <a:ext cx="5016114" cy="530905"/>
           </a:xfrm>
           <a:prstGeom prst="rect">
             <a:avLst/>
           </a:prstGeom>
           <a:noFill/>
-          <a:ln w="9525" algn="ctr">
+          <a:ln>
             <a:noFill/>
-            <a:miter lim="800000"/>
-            <a:headEnd/>
-            <a:tailEnd/>
           </a:ln>
           <a:effectLst/>
+          <a:extLst>
+            <a:ext uri="{909E8E84-426E-40DD-AFC4-6F175D3DCCD1}">
+              <a14:hiddenFill xmlns:a14="http://schemas.microsoft.com/office/drawing/2010/main">
+                <a:solidFill>
+                  <a:schemeClr val="accent1"/>
+                </a:solidFill>
+              </a14:hiddenFill>
+            </a:ext>
+            <a:ext uri="{91240B29-F687-4F45-9708-019B960494DF}">
+              <a14:hiddenLine xmlns:a14="http://schemas.microsoft.com/office/drawing/2010/main" w="9525">
+                <a:solidFill>
+                  <a:schemeClr val="tx1"/>
+                </a:solidFill>
+                <a:miter lim="800000"/>
+                <a:headEnd/>
+                <a:tailEnd/>
+              </a14:hiddenLine>
+            </a:ext>
+            <a:ext uri="{AF507438-7753-43E0-B8FC-AC1667EBCBE1}">
+              <a14:hiddenEffects xmlns:a14="http://schemas.microsoft.com/office/drawing/2010/main">
+                <a:effectLst>
+                  <a:outerShdw dist="35921" dir="2700000" algn="ctr" rotWithShape="0">
+                    <a:schemeClr val="bg2"/>
+                  </a:outerShdw>
+                </a:effectLst>
+              </a14:hiddenEffects>
+            </a:ext>
+          </a:extLst>
         </p:spPr>
         <p:txBody>
-          <a:bodyPr lIns="0" tIns="0" rIns="0" bIns="0"/>
+          <a:bodyPr vert="horz" wrap="square" lIns="91440" tIns="45720" rIns="91440" bIns="45720" numCol="1" anchor="t" anchorCtr="0" compatLnSpc="1">
+            <a:prstTxWarp prst="textNoShape">
+              <a:avLst/>
+            </a:prstTxWarp>
+          </a:bodyPr>
+          <a:lstStyle>
+            <a:lvl1pPr algn="l" rtl="0" fontAlgn="base">
+              <a:spcBef>
+                <a:spcPct val="0"/>
+              </a:spcBef>
+              <a:spcAft>
+                <a:spcPct val="0"/>
+              </a:spcAft>
+              <a:defRPr b="1" kern="1200">
+                <a:solidFill>
+                  <a:schemeClr val="tx1"/>
+                </a:solidFill>
+                <a:latin typeface="+mj-lt"/>
+                <a:ea typeface="+mj-ea"/>
+                <a:cs typeface="+mj-cs"/>
+              </a:defRPr>
+            </a:lvl1pPr>
+            <a:lvl2pPr algn="l" rtl="0" fontAlgn="base">
+              <a:spcBef>
+                <a:spcPct val="0"/>
+              </a:spcBef>
+              <a:spcAft>
+                <a:spcPct val="0"/>
+              </a:spcAft>
+              <a:defRPr b="1">
+                <a:solidFill>
+                  <a:schemeClr val="tx1"/>
+                </a:solidFill>
+                <a:latin typeface="Arial" panose="020B0604020202020204" pitchFamily="34" charset="0"/>
+              </a:defRPr>
+            </a:lvl2pPr>
+            <a:lvl3pPr algn="l" rtl="0" fontAlgn="base">
+              <a:spcBef>
+                <a:spcPct val="0"/>
+              </a:spcBef>
+              <a:spcAft>
+                <a:spcPct val="0"/>
+              </a:spcAft>
+              <a:defRPr b="1">
+                <a:solidFill>
+                  <a:schemeClr val="tx1"/>
+                </a:solidFill>
+                <a:latin typeface="Arial" panose="020B0604020202020204" pitchFamily="34" charset="0"/>
+              </a:defRPr>
+            </a:lvl3pPr>
+            <a:lvl4pPr algn="l" rtl="0" fontAlgn="base">
+              <a:spcBef>
+                <a:spcPct val="0"/>
+              </a:spcBef>
+              <a:spcAft>
+                <a:spcPct val="0"/>
+              </a:spcAft>
+              <a:defRPr b="1">
+                <a:solidFill>
+                  <a:schemeClr val="tx1"/>
+                </a:solidFill>
+                <a:latin typeface="Arial" panose="020B0604020202020204" pitchFamily="34" charset="0"/>
+              </a:defRPr>
+            </a:lvl4pPr>
+            <a:lvl5pPr algn="l" rtl="0" fontAlgn="base">
+              <a:spcBef>
+                <a:spcPct val="0"/>
+              </a:spcBef>
+              <a:spcAft>
+                <a:spcPct val="0"/>
+              </a:spcAft>
+              <a:defRPr b="1">
+                <a:solidFill>
+                  <a:schemeClr val="tx1"/>
+                </a:solidFill>
+                <a:latin typeface="Arial" panose="020B0604020202020204" pitchFamily="34" charset="0"/>
+              </a:defRPr>
+            </a:lvl5pPr>
+            <a:lvl6pPr marL="457200" algn="l" rtl="0" fontAlgn="base">
+              <a:spcBef>
+                <a:spcPct val="0"/>
+              </a:spcBef>
+              <a:spcAft>
+                <a:spcPct val="0"/>
+              </a:spcAft>
+              <a:defRPr b="1">
+                <a:solidFill>
+                  <a:schemeClr val="tx1"/>
+                </a:solidFill>
+                <a:latin typeface="Arial" panose="020B0604020202020204" pitchFamily="34" charset="0"/>
+              </a:defRPr>
+            </a:lvl6pPr>
+            <a:lvl7pPr marL="914400" algn="l" rtl="0" fontAlgn="base">
+              <a:spcBef>
+                <a:spcPct val="0"/>
+              </a:spcBef>
+              <a:spcAft>
+                <a:spcPct val="0"/>
+              </a:spcAft>
+              <a:defRPr b="1">
+                <a:solidFill>
+                  <a:schemeClr val="tx1"/>
+                </a:solidFill>
+                <a:latin typeface="Arial" panose="020B0604020202020204" pitchFamily="34" charset="0"/>
+              </a:defRPr>
+            </a:lvl7pPr>
+            <a:lvl8pPr marL="1371600" algn="l" rtl="0" fontAlgn="base">
+              <a:spcBef>
+                <a:spcPct val="0"/>
+              </a:spcBef>
+              <a:spcAft>
+                <a:spcPct val="0"/>
+              </a:spcAft>
+              <a:defRPr b="1">
+                <a:solidFill>
+                  <a:schemeClr val="tx1"/>
+                </a:solidFill>
+                <a:latin typeface="Arial" panose="020B0604020202020204" pitchFamily="34" charset="0"/>
+              </a:defRPr>
+            </a:lvl8pPr>
+            <a:lvl9pPr marL="1828800" algn="l" rtl="0" fontAlgn="base">
+              <a:spcBef>
+                <a:spcPct val="0"/>
+              </a:spcBef>
+              <a:spcAft>
+                <a:spcPct val="0"/>
+              </a:spcAft>
+              <a:defRPr b="1">
+                <a:solidFill>
+                  <a:schemeClr val="tx1"/>
+                </a:solidFill>
+                <a:latin typeface="Arial" panose="020B0604020202020204" pitchFamily="34" charset="0"/>
+              </a:defRPr>
+            </a:lvl9pPr>
+          </a:lstStyle>
+          <a:p>
+            <a:pPr lvl="0">
+              <a:defRPr/>
+            </a:pPr>
+            <a:r>
+              <a:rPr lang="de-DE" altLang="de-DE" sz="2400" b="0" dirty="0" smtClean="0">
+                <a:solidFill>
+                  <a:srgbClr val="404040"/>
+                </a:solidFill>
+              </a:rPr>
+              <a:t>Services</a:t>
+            </a:r>
+            <a:endParaRPr lang="de-DE" altLang="de-DE" sz="2400" b="0" dirty="0">
+              <a:solidFill>
+                <a:srgbClr val="404040"/>
+              </a:solidFill>
+            </a:endParaRPr>
+          </a:p>
+        </p:txBody>
+      </p:sp>
+      <p:sp>
+        <p:nvSpPr>
+          <p:cNvPr id="4" name="Foliennummernplatzhalter 3"/>
+          <p:cNvSpPr>
+            <a:spLocks noGrp="1"/>
+          </p:cNvSpPr>
+          <p:nvPr>
+            <p:ph type="sldNum" sz="quarter" idx="16"/>
+          </p:nvPr>
+        </p:nvSpPr>
+        <p:spPr/>
+        <p:txBody>
+          <a:bodyPr/>
           <a:lstStyle/>
           <a:p>
-            <a:pPr marL="342900" indent="-342900">
-              <a:buFont typeface="Arial" panose="020B0604020202020204" pitchFamily="34" charset="0"/>
-              <a:buChar char="•"/>
+            <a:pPr>
+              <a:defRPr/>
             </a:pPr>
-            <a:r>
-              <a:rPr lang="en-GB" altLang="de-DE" sz="2400" dirty="0" err="1" smtClean="0"/>
-              <a:t>dgfdgdf</a:t>
-            </a:r>
-            <a:endParaRPr lang="en-GB" altLang="de-DE" sz="2400" dirty="0" smtClean="0"/>
-          </a:p>
-          <a:p>
-            <a:pPr marL="342900" indent="-342900">
-              <a:buFont typeface="Arial" panose="020B0604020202020204" pitchFamily="34" charset="0"/>
-              <a:buChar char="•"/>
+            <a:fld id="{61BDA45F-5DD9-4C1C-BC04-8AF4146ABFAE}" type="slidenum">
+              <a:rPr lang="de-DE" smtClean="0"/>
+              <a:pPr>
+                <a:defRPr/>
+              </a:pPr>
+              <a:t>14</a:t>
+            </a:fld>
+            <a:endParaRPr lang="de-DE" dirty="0"/>
+          </a:p>
+        </p:txBody>
+      </p:sp>
+      <p:sp>
+        <p:nvSpPr>
+          <p:cNvPr id="6" name="Fußzeilenplatzhalter 5"/>
+          <p:cNvSpPr>
+            <a:spLocks noGrp="1"/>
+          </p:cNvSpPr>
+          <p:nvPr>
+            <p:ph type="ftr" sz="quarter" idx="12"/>
+          </p:nvPr>
+        </p:nvSpPr>
+        <p:spPr>
+          <a:xfrm>
+            <a:off x="180000" y="6574553"/>
+            <a:ext cx="7200000" cy="288000"/>
+          </a:xfrm>
+        </p:spPr>
+        <p:txBody>
+          <a:bodyPr/>
+          <a:lstStyle/>
+          <a:p>
+            <a:r>
+              <a:rPr lang="en-US" altLang="de-DE" dirty="0" smtClean="0">
+                <a:solidFill>
+                  <a:srgbClr val="404040"/>
+                </a:solidFill>
+              </a:rPr>
+              <a:t>Angular-</a:t>
+            </a:r>
+            <a:r>
+              <a:rPr lang="en-US" altLang="de-DE" dirty="0" err="1" smtClean="0">
+                <a:solidFill>
+                  <a:srgbClr val="404040"/>
+                </a:solidFill>
+              </a:rPr>
+              <a:t>Schulung</a:t>
+            </a:r>
+            <a:endParaRPr lang="de-DE" altLang="de-DE" dirty="0">
+              <a:solidFill>
+                <a:srgbClr val="404040"/>
+              </a:solidFill>
+            </a:endParaRPr>
+          </a:p>
+        </p:txBody>
+      </p:sp>
+      <p:sp>
+        <p:nvSpPr>
+          <p:cNvPr id="3" name="Rectangle 2"/>
+          <p:cNvSpPr>
+            <a:spLocks noChangeArrowheads="1"/>
+          </p:cNvSpPr>
+          <p:nvPr/>
+        </p:nvSpPr>
+        <p:spPr bwMode="auto">
+          <a:xfrm>
+            <a:off x="180000" y="1618123"/>
+            <a:ext cx="8948283" cy="3046988"/>
+          </a:xfrm>
+          <a:prstGeom prst="rect">
+            <a:avLst/>
+          </a:prstGeom>
+          <a:solidFill>
+            <a:srgbClr val="FFFFFF"/>
+          </a:solidFill>
+          <a:ln>
+            <a:noFill/>
+          </a:ln>
+          <a:effectLst/>
+          <a:extLst>
+            <a:ext uri="{91240B29-F687-4F45-9708-019B960494DF}">
+              <a14:hiddenLine xmlns:a14="http://schemas.microsoft.com/office/drawing/2010/main" w="9525">
+                <a:solidFill>
+                  <a:schemeClr val="tx1"/>
+                </a:solidFill>
+                <a:miter lim="800000"/>
+                <a:headEnd/>
+                <a:tailEnd/>
+              </a14:hiddenLine>
+            </a:ext>
+            <a:ext uri="{AF507438-7753-43E0-B8FC-AC1667EBCBE1}">
+              <a14:hiddenEffects xmlns:a14="http://schemas.microsoft.com/office/drawing/2010/main">
+                <a:effectLst>
+                  <a:outerShdw dist="35921" dir="2700000" algn="ctr" rotWithShape="0">
+                    <a:schemeClr val="bg2"/>
+                  </a:outerShdw>
+                </a:effectLst>
+              </a14:hiddenEffects>
+            </a:ext>
+          </a:extLst>
+        </p:spPr>
+        <p:txBody>
+          <a:bodyPr vert="horz" wrap="none" lIns="91440" tIns="45720" rIns="91440" bIns="45720" numCol="1" anchor="ctr" anchorCtr="0" compatLnSpc="1">
+            <a:prstTxWarp prst="textNoShape">
+              <a:avLst/>
+            </a:prstTxWarp>
+            <a:spAutoFit/>
+          </a:bodyPr>
+          <a:lstStyle/>
+          <a:p>
+            <a:pPr marL="0" marR="0" lvl="0" indent="0" algn="l" defTabSz="914400" rtl="0" eaLnBrk="0" fontAlgn="base" latinLnBrk="0" hangingPunct="0">
+              <a:lnSpc>
+                <a:spcPct val="100000"/>
+              </a:lnSpc>
+              <a:spcBef>
+                <a:spcPct val="0"/>
+              </a:spcBef>
+              <a:spcAft>
+                <a:spcPct val="0"/>
+              </a:spcAft>
+              <a:buClrTx/>
+              <a:buSzTx/>
+              <a:buFontTx/>
+              <a:buNone/>
+              <a:tabLst/>
             </a:pPr>
-            <a:endParaRPr lang="en-GB" altLang="de-DE" sz="2400" dirty="0" smtClean="0"/>
-          </a:p>
-          <a:p>
-            <a:pPr marL="342900" indent="-342900">
-              <a:buFont typeface="Arial" panose="020B0604020202020204" pitchFamily="34" charset="0"/>
-              <a:buChar char="•"/>
-            </a:pPr>
-            <a:endParaRPr lang="en-GB" altLang="de-DE" sz="2400" dirty="0" smtClean="0"/>
-          </a:p>
-          <a:p>
-            <a:pPr marL="342900" indent="-342900">
-              <a:buFont typeface="Arial" panose="020B0604020202020204" pitchFamily="34" charset="0"/>
-              <a:buChar char="•"/>
-            </a:pPr>
-            <a:endParaRPr lang="en-GB" altLang="de-DE" sz="2400" dirty="0" smtClean="0"/>
+            <a:r>
+              <a:rPr kumimoji="0" lang="de-DE" altLang="de-DE" sz="1600" b="0" i="0" u="none" strike="noStrike" cap="none" normalizeH="0" baseline="0" dirty="0" smtClean="0">
+                <a:ln>
+                  <a:noFill/>
+                </a:ln>
+                <a:solidFill>
+                  <a:srgbClr val="808000"/>
+                </a:solidFill>
+                <a:effectLst/>
+                <a:latin typeface="Courier New" panose="02070309020205020404" pitchFamily="49" charset="0"/>
+                <a:cs typeface="Courier New" panose="02070309020205020404" pitchFamily="49" charset="0"/>
+              </a:rPr>
+              <a:t>@</a:t>
+            </a:r>
+            <a:r>
+              <a:rPr kumimoji="0" lang="de-DE" altLang="de-DE" sz="1600" b="0" i="0" u="none" strike="noStrike" cap="none" normalizeH="0" baseline="0" dirty="0" err="1" smtClean="0">
+                <a:ln>
+                  <a:noFill/>
+                </a:ln>
+                <a:solidFill>
+                  <a:srgbClr val="808000"/>
+                </a:solidFill>
+                <a:effectLst/>
+                <a:latin typeface="Courier New" panose="02070309020205020404" pitchFamily="49" charset="0"/>
+                <a:cs typeface="Courier New" panose="02070309020205020404" pitchFamily="49" charset="0"/>
+              </a:rPr>
+              <a:t>Injectable</a:t>
+            </a:r>
+            <a:r>
+              <a:rPr kumimoji="0" lang="de-DE" altLang="de-DE" sz="1600" b="0" i="0" u="none" strike="noStrike" cap="none" normalizeH="0" baseline="0" dirty="0" smtClean="0">
+                <a:ln>
+                  <a:noFill/>
+                </a:ln>
+                <a:solidFill>
+                  <a:srgbClr val="000000"/>
+                </a:solidFill>
+                <a:effectLst/>
+                <a:latin typeface="Courier New" panose="02070309020205020404" pitchFamily="49" charset="0"/>
+                <a:cs typeface="Courier New" panose="02070309020205020404" pitchFamily="49" charset="0"/>
+              </a:rPr>
+              <a:t>({</a:t>
+            </a:r>
+            <a:br>
+              <a:rPr kumimoji="0" lang="de-DE" altLang="de-DE" sz="1600" b="0" i="0" u="none" strike="noStrike" cap="none" normalizeH="0" baseline="0" dirty="0" smtClean="0">
+                <a:ln>
+                  <a:noFill/>
+                </a:ln>
+                <a:solidFill>
+                  <a:srgbClr val="000000"/>
+                </a:solidFill>
+                <a:effectLst/>
+                <a:latin typeface="Courier New" panose="02070309020205020404" pitchFamily="49" charset="0"/>
+                <a:cs typeface="Courier New" panose="02070309020205020404" pitchFamily="49" charset="0"/>
+              </a:rPr>
+            </a:br>
+            <a:r>
+              <a:rPr kumimoji="0" lang="de-DE" altLang="de-DE" sz="1600" b="0" i="0" u="none" strike="noStrike" cap="none" normalizeH="0" baseline="0" dirty="0" smtClean="0">
+                <a:ln>
+                  <a:noFill/>
+                </a:ln>
+                <a:solidFill>
+                  <a:srgbClr val="000000"/>
+                </a:solidFill>
+                <a:effectLst/>
+                <a:latin typeface="Courier New" panose="02070309020205020404" pitchFamily="49" charset="0"/>
+                <a:cs typeface="Courier New" panose="02070309020205020404" pitchFamily="49" charset="0"/>
+              </a:rPr>
+              <a:t>  </a:t>
+            </a:r>
+            <a:r>
+              <a:rPr kumimoji="0" lang="de-DE" altLang="de-DE" sz="1600" b="1" i="0" u="none" strike="noStrike" cap="none" normalizeH="0" baseline="0" dirty="0" err="1" smtClean="0">
+                <a:ln>
+                  <a:noFill/>
+                </a:ln>
+                <a:solidFill>
+                  <a:srgbClr val="660E7A"/>
+                </a:solidFill>
+                <a:effectLst/>
+                <a:latin typeface="Courier New" panose="02070309020205020404" pitchFamily="49" charset="0"/>
+                <a:cs typeface="Courier New" panose="02070309020205020404" pitchFamily="49" charset="0"/>
+              </a:rPr>
+              <a:t>providedIn</a:t>
+            </a:r>
+            <a:r>
+              <a:rPr kumimoji="0" lang="de-DE" altLang="de-DE" sz="1600" b="0" i="0" u="none" strike="noStrike" cap="none" normalizeH="0" baseline="0" dirty="0" smtClean="0">
+                <a:ln>
+                  <a:noFill/>
+                </a:ln>
+                <a:solidFill>
+                  <a:srgbClr val="000000"/>
+                </a:solidFill>
+                <a:effectLst/>
+                <a:latin typeface="Courier New" panose="02070309020205020404" pitchFamily="49" charset="0"/>
+                <a:cs typeface="Courier New" panose="02070309020205020404" pitchFamily="49" charset="0"/>
+              </a:rPr>
+              <a:t>: </a:t>
+            </a:r>
+            <a:r>
+              <a:rPr kumimoji="0" lang="de-DE" altLang="de-DE" sz="1600" b="1" i="0" u="none" strike="noStrike" cap="none" normalizeH="0" baseline="0" dirty="0" smtClean="0">
+                <a:ln>
+                  <a:noFill/>
+                </a:ln>
+                <a:solidFill>
+                  <a:srgbClr val="008000"/>
+                </a:solidFill>
+                <a:effectLst/>
+                <a:latin typeface="Courier New" panose="02070309020205020404" pitchFamily="49" charset="0"/>
+                <a:cs typeface="Courier New" panose="02070309020205020404" pitchFamily="49" charset="0"/>
+              </a:rPr>
+              <a:t>'</a:t>
+            </a:r>
+            <a:r>
+              <a:rPr kumimoji="0" lang="de-DE" altLang="de-DE" sz="1600" b="1" i="0" u="none" strike="noStrike" cap="none" normalizeH="0" baseline="0" dirty="0" err="1" smtClean="0">
+                <a:ln>
+                  <a:noFill/>
+                </a:ln>
+                <a:solidFill>
+                  <a:srgbClr val="008000"/>
+                </a:solidFill>
+                <a:effectLst/>
+                <a:latin typeface="Courier New" panose="02070309020205020404" pitchFamily="49" charset="0"/>
+                <a:cs typeface="Courier New" panose="02070309020205020404" pitchFamily="49" charset="0"/>
+              </a:rPr>
+              <a:t>root</a:t>
+            </a:r>
+            <a:r>
+              <a:rPr kumimoji="0" lang="de-DE" altLang="de-DE" sz="1600" b="1" i="0" u="none" strike="noStrike" cap="none" normalizeH="0" baseline="0" dirty="0" smtClean="0">
+                <a:ln>
+                  <a:noFill/>
+                </a:ln>
+                <a:solidFill>
+                  <a:srgbClr val="008000"/>
+                </a:solidFill>
+                <a:effectLst/>
+                <a:latin typeface="Courier New" panose="02070309020205020404" pitchFamily="49" charset="0"/>
+                <a:cs typeface="Courier New" panose="02070309020205020404" pitchFamily="49" charset="0"/>
+              </a:rPr>
+              <a:t>'</a:t>
+            </a:r>
+            <a:br>
+              <a:rPr kumimoji="0" lang="de-DE" altLang="de-DE" sz="1600" b="1" i="0" u="none" strike="noStrike" cap="none" normalizeH="0" baseline="0" dirty="0" smtClean="0">
+                <a:ln>
+                  <a:noFill/>
+                </a:ln>
+                <a:solidFill>
+                  <a:srgbClr val="008000"/>
+                </a:solidFill>
+                <a:effectLst/>
+                <a:latin typeface="Courier New" panose="02070309020205020404" pitchFamily="49" charset="0"/>
+                <a:cs typeface="Courier New" panose="02070309020205020404" pitchFamily="49" charset="0"/>
+              </a:rPr>
+            </a:br>
+            <a:r>
+              <a:rPr kumimoji="0" lang="de-DE" altLang="de-DE" sz="1600" b="0" i="0" u="none" strike="noStrike" cap="none" normalizeH="0" baseline="0" dirty="0" smtClean="0">
+                <a:ln>
+                  <a:noFill/>
+                </a:ln>
+                <a:solidFill>
+                  <a:srgbClr val="000000"/>
+                </a:solidFill>
+                <a:effectLst/>
+                <a:latin typeface="Courier New" panose="02070309020205020404" pitchFamily="49" charset="0"/>
+                <a:cs typeface="Courier New" panose="02070309020205020404" pitchFamily="49" charset="0"/>
+              </a:rPr>
+              <a:t>})</a:t>
+            </a:r>
+            <a:br>
+              <a:rPr kumimoji="0" lang="de-DE" altLang="de-DE" sz="1600" b="0" i="0" u="none" strike="noStrike" cap="none" normalizeH="0" baseline="0" dirty="0" smtClean="0">
+                <a:ln>
+                  <a:noFill/>
+                </a:ln>
+                <a:solidFill>
+                  <a:srgbClr val="000000"/>
+                </a:solidFill>
+                <a:effectLst/>
+                <a:latin typeface="Courier New" panose="02070309020205020404" pitchFamily="49" charset="0"/>
+                <a:cs typeface="Courier New" panose="02070309020205020404" pitchFamily="49" charset="0"/>
+              </a:rPr>
+            </a:br>
+            <a:r>
+              <a:rPr kumimoji="0" lang="de-DE" altLang="de-DE" sz="1600" b="1" i="0" u="none" strike="noStrike" cap="none" normalizeH="0" baseline="0" dirty="0" err="1" smtClean="0">
+                <a:ln>
+                  <a:noFill/>
+                </a:ln>
+                <a:solidFill>
+                  <a:srgbClr val="000080"/>
+                </a:solidFill>
+                <a:effectLst/>
+                <a:latin typeface="Courier New" panose="02070309020205020404" pitchFamily="49" charset="0"/>
+                <a:cs typeface="Courier New" panose="02070309020205020404" pitchFamily="49" charset="0"/>
+              </a:rPr>
+              <a:t>export</a:t>
+            </a:r>
+            <a:r>
+              <a:rPr kumimoji="0" lang="de-DE" altLang="de-DE" sz="1600" b="1" i="0" u="none" strike="noStrike" cap="none" normalizeH="0" baseline="0" dirty="0" smtClean="0">
+                <a:ln>
+                  <a:noFill/>
+                </a:ln>
+                <a:solidFill>
+                  <a:srgbClr val="000080"/>
+                </a:solidFill>
+                <a:effectLst/>
+                <a:latin typeface="Courier New" panose="02070309020205020404" pitchFamily="49" charset="0"/>
+                <a:cs typeface="Courier New" panose="02070309020205020404" pitchFamily="49" charset="0"/>
+              </a:rPr>
+              <a:t> </a:t>
+            </a:r>
+            <a:r>
+              <a:rPr kumimoji="0" lang="de-DE" altLang="de-DE" sz="1600" b="1" i="0" u="none" strike="noStrike" cap="none" normalizeH="0" baseline="0" dirty="0" err="1" smtClean="0">
+                <a:ln>
+                  <a:noFill/>
+                </a:ln>
+                <a:solidFill>
+                  <a:srgbClr val="000080"/>
+                </a:solidFill>
+                <a:effectLst/>
+                <a:latin typeface="Courier New" panose="02070309020205020404" pitchFamily="49" charset="0"/>
+                <a:cs typeface="Courier New" panose="02070309020205020404" pitchFamily="49" charset="0"/>
+              </a:rPr>
+              <a:t>class</a:t>
+            </a:r>
+            <a:r>
+              <a:rPr kumimoji="0" lang="de-DE" altLang="de-DE" sz="1600" b="1" i="0" u="none" strike="noStrike" cap="none" normalizeH="0" baseline="0" dirty="0" smtClean="0">
+                <a:ln>
+                  <a:noFill/>
+                </a:ln>
+                <a:solidFill>
+                  <a:srgbClr val="000080"/>
+                </a:solidFill>
+                <a:effectLst/>
+                <a:latin typeface="Courier New" panose="02070309020205020404" pitchFamily="49" charset="0"/>
+                <a:cs typeface="Courier New" panose="02070309020205020404" pitchFamily="49" charset="0"/>
+              </a:rPr>
+              <a:t> </a:t>
+            </a:r>
+            <a:r>
+              <a:rPr kumimoji="0" lang="de-DE" altLang="de-DE" sz="1600" b="0" i="0" u="none" strike="noStrike" cap="none" normalizeH="0" baseline="0" dirty="0" err="1" smtClean="0">
+                <a:ln>
+                  <a:noFill/>
+                </a:ln>
+                <a:solidFill>
+                  <a:srgbClr val="000000"/>
+                </a:solidFill>
+                <a:effectLst/>
+                <a:latin typeface="Courier New" panose="02070309020205020404" pitchFamily="49" charset="0"/>
+                <a:cs typeface="Courier New" panose="02070309020205020404" pitchFamily="49" charset="0"/>
+              </a:rPr>
+              <a:t>TabelleService</a:t>
+            </a:r>
+            <a:r>
+              <a:rPr kumimoji="0" lang="de-DE" altLang="de-DE" sz="1600" b="0" i="0" u="none" strike="noStrike" cap="none" normalizeH="0" baseline="0" dirty="0" smtClean="0">
+                <a:ln>
+                  <a:noFill/>
+                </a:ln>
+                <a:solidFill>
+                  <a:srgbClr val="000000"/>
+                </a:solidFill>
+                <a:effectLst/>
+                <a:latin typeface="Courier New" panose="02070309020205020404" pitchFamily="49" charset="0"/>
+                <a:cs typeface="Courier New" panose="02070309020205020404" pitchFamily="49" charset="0"/>
+              </a:rPr>
+              <a:t> {</a:t>
+            </a:r>
+            <a:br>
+              <a:rPr kumimoji="0" lang="de-DE" altLang="de-DE" sz="1600" b="0" i="0" u="none" strike="noStrike" cap="none" normalizeH="0" baseline="0" dirty="0" smtClean="0">
+                <a:ln>
+                  <a:noFill/>
+                </a:ln>
+                <a:solidFill>
+                  <a:srgbClr val="000000"/>
+                </a:solidFill>
+                <a:effectLst/>
+                <a:latin typeface="Courier New" panose="02070309020205020404" pitchFamily="49" charset="0"/>
+                <a:cs typeface="Courier New" panose="02070309020205020404" pitchFamily="49" charset="0"/>
+              </a:rPr>
+            </a:br>
+            <a:r>
+              <a:rPr kumimoji="0" lang="de-DE" altLang="de-DE" sz="1600" b="0" i="0" u="none" strike="noStrike" cap="none" normalizeH="0" baseline="0" dirty="0" smtClean="0">
+                <a:ln>
+                  <a:noFill/>
+                </a:ln>
+                <a:solidFill>
+                  <a:srgbClr val="000000"/>
+                </a:solidFill>
+                <a:effectLst/>
+                <a:latin typeface="Courier New" panose="02070309020205020404" pitchFamily="49" charset="0"/>
+                <a:cs typeface="Courier New" panose="02070309020205020404" pitchFamily="49" charset="0"/>
+              </a:rPr>
+              <a:t/>
+            </a:r>
+            <a:br>
+              <a:rPr kumimoji="0" lang="de-DE" altLang="de-DE" sz="1600" b="0" i="0" u="none" strike="noStrike" cap="none" normalizeH="0" baseline="0" dirty="0" smtClean="0">
+                <a:ln>
+                  <a:noFill/>
+                </a:ln>
+                <a:solidFill>
+                  <a:srgbClr val="000000"/>
+                </a:solidFill>
+                <a:effectLst/>
+                <a:latin typeface="Courier New" panose="02070309020205020404" pitchFamily="49" charset="0"/>
+                <a:cs typeface="Courier New" panose="02070309020205020404" pitchFamily="49" charset="0"/>
+              </a:rPr>
+            </a:br>
+            <a:r>
+              <a:rPr kumimoji="0" lang="de-DE" altLang="de-DE" sz="1600" b="0" i="0" u="none" strike="noStrike" cap="none" normalizeH="0" baseline="0" dirty="0" smtClean="0">
+                <a:ln>
+                  <a:noFill/>
+                </a:ln>
+                <a:solidFill>
+                  <a:srgbClr val="000000"/>
+                </a:solidFill>
+                <a:effectLst/>
+                <a:latin typeface="Courier New" panose="02070309020205020404" pitchFamily="49" charset="0"/>
+                <a:cs typeface="Courier New" panose="02070309020205020404" pitchFamily="49" charset="0"/>
+              </a:rPr>
+              <a:t>  </a:t>
+            </a:r>
+            <a:r>
+              <a:rPr kumimoji="0" lang="de-DE" altLang="de-DE" sz="1600" b="1" i="0" u="none" strike="noStrike" cap="none" normalizeH="0" baseline="0" dirty="0" err="1" smtClean="0">
+                <a:ln>
+                  <a:noFill/>
+                </a:ln>
+                <a:solidFill>
+                  <a:srgbClr val="000080"/>
+                </a:solidFill>
+                <a:effectLst/>
+                <a:latin typeface="Courier New" panose="02070309020205020404" pitchFamily="49" charset="0"/>
+                <a:cs typeface="Courier New" panose="02070309020205020404" pitchFamily="49" charset="0"/>
+              </a:rPr>
+              <a:t>constructor</a:t>
+            </a:r>
+            <a:r>
+              <a:rPr kumimoji="0" lang="de-DE" altLang="de-DE" sz="1600" b="0" i="0" u="none" strike="noStrike" cap="none" normalizeH="0" baseline="0" dirty="0" smtClean="0">
+                <a:ln>
+                  <a:noFill/>
+                </a:ln>
+                <a:solidFill>
+                  <a:srgbClr val="000000"/>
+                </a:solidFill>
+                <a:effectLst/>
+                <a:latin typeface="Courier New" panose="02070309020205020404" pitchFamily="49" charset="0"/>
+                <a:cs typeface="Courier New" panose="02070309020205020404" pitchFamily="49" charset="0"/>
+              </a:rPr>
+              <a:t>(</a:t>
+            </a:r>
+            <a:r>
+              <a:rPr kumimoji="0" lang="de-DE" altLang="de-DE" sz="1600" b="1" i="0" u="none" strike="noStrike" cap="none" normalizeH="0" baseline="0" dirty="0" smtClean="0">
+                <a:ln>
+                  <a:noFill/>
+                </a:ln>
+                <a:solidFill>
+                  <a:srgbClr val="000080"/>
+                </a:solidFill>
+                <a:effectLst/>
+                <a:latin typeface="Courier New" panose="02070309020205020404" pitchFamily="49" charset="0"/>
+                <a:cs typeface="Courier New" panose="02070309020205020404" pitchFamily="49" charset="0"/>
+              </a:rPr>
+              <a:t>private </a:t>
+            </a:r>
+            <a:r>
+              <a:rPr kumimoji="0" lang="de-DE" altLang="de-DE" sz="1600" b="1" i="0" u="none" strike="noStrike" cap="none" normalizeH="0" baseline="0" dirty="0" err="1" smtClean="0">
+                <a:ln>
+                  <a:noFill/>
+                </a:ln>
+                <a:solidFill>
+                  <a:srgbClr val="660E7A"/>
+                </a:solidFill>
+                <a:effectLst/>
+                <a:latin typeface="Courier New" panose="02070309020205020404" pitchFamily="49" charset="0"/>
+                <a:cs typeface="Courier New" panose="02070309020205020404" pitchFamily="49" charset="0"/>
+              </a:rPr>
+              <a:t>httpClient</a:t>
+            </a:r>
+            <a:r>
+              <a:rPr kumimoji="0" lang="de-DE" altLang="de-DE" sz="1600" b="0" i="0" u="none" strike="noStrike" cap="none" normalizeH="0" baseline="0" dirty="0" smtClean="0">
+                <a:ln>
+                  <a:noFill/>
+                </a:ln>
+                <a:solidFill>
+                  <a:srgbClr val="000000"/>
+                </a:solidFill>
+                <a:effectLst/>
+                <a:latin typeface="Courier New" panose="02070309020205020404" pitchFamily="49" charset="0"/>
+                <a:cs typeface="Courier New" panose="02070309020205020404" pitchFamily="49" charset="0"/>
+              </a:rPr>
+              <a:t>: </a:t>
+            </a:r>
+            <a:r>
+              <a:rPr kumimoji="0" lang="de-DE" altLang="de-DE" sz="1600" b="0" i="0" u="none" strike="noStrike" cap="none" normalizeH="0" baseline="0" dirty="0" err="1" smtClean="0">
+                <a:ln>
+                  <a:noFill/>
+                </a:ln>
+                <a:solidFill>
+                  <a:srgbClr val="000000"/>
+                </a:solidFill>
+                <a:effectLst/>
+                <a:latin typeface="Courier New" panose="02070309020205020404" pitchFamily="49" charset="0"/>
+                <a:cs typeface="Courier New" panose="02070309020205020404" pitchFamily="49" charset="0"/>
+              </a:rPr>
+              <a:t>HttpClient</a:t>
+            </a:r>
+            <a:r>
+              <a:rPr kumimoji="0" lang="de-DE" altLang="de-DE" sz="1600" b="0" i="0" u="none" strike="noStrike" cap="none" normalizeH="0" baseline="0" dirty="0" smtClean="0">
+                <a:ln>
+                  <a:noFill/>
+                </a:ln>
+                <a:solidFill>
+                  <a:srgbClr val="000000"/>
+                </a:solidFill>
+                <a:effectLst/>
+                <a:latin typeface="Courier New" panose="02070309020205020404" pitchFamily="49" charset="0"/>
+                <a:cs typeface="Courier New" panose="02070309020205020404" pitchFamily="49" charset="0"/>
+              </a:rPr>
+              <a:t>) {}</a:t>
+            </a:r>
+            <a:br>
+              <a:rPr kumimoji="0" lang="de-DE" altLang="de-DE" sz="1600" b="0" i="0" u="none" strike="noStrike" cap="none" normalizeH="0" baseline="0" dirty="0" smtClean="0">
+                <a:ln>
+                  <a:noFill/>
+                </a:ln>
+                <a:solidFill>
+                  <a:srgbClr val="000000"/>
+                </a:solidFill>
+                <a:effectLst/>
+                <a:latin typeface="Courier New" panose="02070309020205020404" pitchFamily="49" charset="0"/>
+                <a:cs typeface="Courier New" panose="02070309020205020404" pitchFamily="49" charset="0"/>
+              </a:rPr>
+            </a:br>
+            <a:r>
+              <a:rPr kumimoji="0" lang="de-DE" altLang="de-DE" sz="1600" b="0" i="0" u="none" strike="noStrike" cap="none" normalizeH="0" baseline="0" dirty="0" smtClean="0">
+                <a:ln>
+                  <a:noFill/>
+                </a:ln>
+                <a:solidFill>
+                  <a:srgbClr val="000000"/>
+                </a:solidFill>
+                <a:effectLst/>
+                <a:latin typeface="Courier New" panose="02070309020205020404" pitchFamily="49" charset="0"/>
+                <a:cs typeface="Courier New" panose="02070309020205020404" pitchFamily="49" charset="0"/>
+              </a:rPr>
+              <a:t/>
+            </a:r>
+            <a:br>
+              <a:rPr kumimoji="0" lang="de-DE" altLang="de-DE" sz="1600" b="0" i="0" u="none" strike="noStrike" cap="none" normalizeH="0" baseline="0" dirty="0" smtClean="0">
+                <a:ln>
+                  <a:noFill/>
+                </a:ln>
+                <a:solidFill>
+                  <a:srgbClr val="000000"/>
+                </a:solidFill>
+                <a:effectLst/>
+                <a:latin typeface="Courier New" panose="02070309020205020404" pitchFamily="49" charset="0"/>
+                <a:cs typeface="Courier New" panose="02070309020205020404" pitchFamily="49" charset="0"/>
+              </a:rPr>
+            </a:br>
+            <a:r>
+              <a:rPr kumimoji="0" lang="de-DE" altLang="de-DE" sz="1600" b="0" i="0" u="none" strike="noStrike" cap="none" normalizeH="0" baseline="0" dirty="0" smtClean="0">
+                <a:ln>
+                  <a:noFill/>
+                </a:ln>
+                <a:solidFill>
+                  <a:srgbClr val="000000"/>
+                </a:solidFill>
+                <a:effectLst/>
+                <a:latin typeface="Courier New" panose="02070309020205020404" pitchFamily="49" charset="0"/>
+                <a:cs typeface="Courier New" panose="02070309020205020404" pitchFamily="49" charset="0"/>
+              </a:rPr>
+              <a:t>  </a:t>
+            </a:r>
+            <a:r>
+              <a:rPr kumimoji="0" lang="de-DE" altLang="de-DE" sz="1600" b="0" i="0" u="none" strike="noStrike" cap="none" normalizeH="0" baseline="0" dirty="0" err="1" smtClean="0">
+                <a:ln>
+                  <a:noFill/>
+                </a:ln>
+                <a:solidFill>
+                  <a:srgbClr val="7A7A43"/>
+                </a:solidFill>
+                <a:effectLst/>
+                <a:latin typeface="Courier New" panose="02070309020205020404" pitchFamily="49" charset="0"/>
+                <a:cs typeface="Courier New" panose="02070309020205020404" pitchFamily="49" charset="0"/>
+              </a:rPr>
+              <a:t>tabelle</a:t>
+            </a:r>
+            <a:r>
+              <a:rPr kumimoji="0" lang="de-DE" altLang="de-DE" sz="1600" b="0" i="0" u="none" strike="noStrike" cap="none" normalizeH="0" baseline="0" dirty="0" smtClean="0">
+                <a:ln>
+                  <a:noFill/>
+                </a:ln>
+                <a:solidFill>
+                  <a:srgbClr val="000000"/>
+                </a:solidFill>
+                <a:effectLst/>
+                <a:latin typeface="Courier New" panose="02070309020205020404" pitchFamily="49" charset="0"/>
+                <a:cs typeface="Courier New" panose="02070309020205020404" pitchFamily="49" charset="0"/>
+              </a:rPr>
+              <a:t>(</a:t>
+            </a:r>
+            <a:r>
+              <a:rPr kumimoji="0" lang="de-DE" altLang="de-DE" sz="1600" b="0" i="0" u="none" strike="noStrike" cap="none" normalizeH="0" baseline="0" dirty="0" err="1" smtClean="0">
+                <a:ln>
+                  <a:noFill/>
+                </a:ln>
+                <a:solidFill>
+                  <a:srgbClr val="000000"/>
+                </a:solidFill>
+                <a:effectLst/>
+                <a:latin typeface="Courier New" panose="02070309020205020404" pitchFamily="49" charset="0"/>
+                <a:cs typeface="Courier New" panose="02070309020205020404" pitchFamily="49" charset="0"/>
+              </a:rPr>
+              <a:t>liga</a:t>
+            </a:r>
+            <a:r>
+              <a:rPr kumimoji="0" lang="de-DE" altLang="de-DE" sz="1600" b="0" i="0" u="none" strike="noStrike" cap="none" normalizeH="0" baseline="0" dirty="0" smtClean="0">
+                <a:ln>
+                  <a:noFill/>
+                </a:ln>
+                <a:solidFill>
+                  <a:srgbClr val="000000"/>
+                </a:solidFill>
+                <a:effectLst/>
+                <a:latin typeface="Courier New" panose="02070309020205020404" pitchFamily="49" charset="0"/>
+                <a:cs typeface="Courier New" panose="02070309020205020404" pitchFamily="49" charset="0"/>
+              </a:rPr>
+              <a:t>: Liga) : Observable&lt;</a:t>
+            </a:r>
+            <a:r>
+              <a:rPr kumimoji="0" lang="de-DE" altLang="de-DE" sz="1600" b="0" i="0" u="none" strike="noStrike" cap="none" normalizeH="0" baseline="0" dirty="0" err="1" smtClean="0">
+                <a:ln>
+                  <a:noFill/>
+                </a:ln>
+                <a:solidFill>
+                  <a:srgbClr val="000000"/>
+                </a:solidFill>
+                <a:effectLst/>
+                <a:latin typeface="Courier New" panose="02070309020205020404" pitchFamily="49" charset="0"/>
+                <a:cs typeface="Courier New" panose="02070309020205020404" pitchFamily="49" charset="0"/>
+              </a:rPr>
+              <a:t>TabelleMannschaft</a:t>
+            </a:r>
+            <a:r>
+              <a:rPr kumimoji="0" lang="de-DE" altLang="de-DE" sz="1600" b="0" i="0" u="none" strike="noStrike" cap="none" normalizeH="0" baseline="0" dirty="0" smtClean="0">
+                <a:ln>
+                  <a:noFill/>
+                </a:ln>
+                <a:solidFill>
+                  <a:srgbClr val="000000"/>
+                </a:solidFill>
+                <a:effectLst/>
+                <a:latin typeface="Courier New" panose="02070309020205020404" pitchFamily="49" charset="0"/>
+                <a:cs typeface="Courier New" panose="02070309020205020404" pitchFamily="49" charset="0"/>
+              </a:rPr>
+              <a:t>[]&gt; {</a:t>
+            </a:r>
+            <a:br>
+              <a:rPr kumimoji="0" lang="de-DE" altLang="de-DE" sz="1600" b="0" i="0" u="none" strike="noStrike" cap="none" normalizeH="0" baseline="0" dirty="0" smtClean="0">
+                <a:ln>
+                  <a:noFill/>
+                </a:ln>
+                <a:solidFill>
+                  <a:srgbClr val="000000"/>
+                </a:solidFill>
+                <a:effectLst/>
+                <a:latin typeface="Courier New" panose="02070309020205020404" pitchFamily="49" charset="0"/>
+                <a:cs typeface="Courier New" panose="02070309020205020404" pitchFamily="49" charset="0"/>
+              </a:rPr>
+            </a:br>
+            <a:r>
+              <a:rPr kumimoji="0" lang="de-DE" altLang="de-DE" sz="1600" b="0" i="0" u="none" strike="noStrike" cap="none" normalizeH="0" baseline="0" dirty="0" smtClean="0">
+                <a:ln>
+                  <a:noFill/>
+                </a:ln>
+                <a:solidFill>
+                  <a:srgbClr val="000000"/>
+                </a:solidFill>
+                <a:effectLst/>
+                <a:latin typeface="Courier New" panose="02070309020205020404" pitchFamily="49" charset="0"/>
+                <a:cs typeface="Courier New" panose="02070309020205020404" pitchFamily="49" charset="0"/>
+              </a:rPr>
+              <a:t>    </a:t>
+            </a:r>
+            <a:r>
+              <a:rPr kumimoji="0" lang="de-DE" altLang="de-DE" sz="1600" b="1" i="0" u="none" strike="noStrike" cap="none" normalizeH="0" baseline="0" dirty="0" err="1" smtClean="0">
+                <a:ln>
+                  <a:noFill/>
+                </a:ln>
+                <a:solidFill>
+                  <a:srgbClr val="000080"/>
+                </a:solidFill>
+                <a:effectLst/>
+                <a:latin typeface="Courier New" panose="02070309020205020404" pitchFamily="49" charset="0"/>
+                <a:cs typeface="Courier New" panose="02070309020205020404" pitchFamily="49" charset="0"/>
+              </a:rPr>
+              <a:t>let</a:t>
+            </a:r>
+            <a:r>
+              <a:rPr kumimoji="0" lang="de-DE" altLang="de-DE" sz="1600" b="1" i="0" u="none" strike="noStrike" cap="none" normalizeH="0" baseline="0" dirty="0" smtClean="0">
+                <a:ln>
+                  <a:noFill/>
+                </a:ln>
+                <a:solidFill>
+                  <a:srgbClr val="000080"/>
+                </a:solidFill>
+                <a:effectLst/>
+                <a:latin typeface="Courier New" panose="02070309020205020404" pitchFamily="49" charset="0"/>
+                <a:cs typeface="Courier New" panose="02070309020205020404" pitchFamily="49" charset="0"/>
+              </a:rPr>
+              <a:t> </a:t>
+            </a:r>
+            <a:r>
+              <a:rPr kumimoji="0" lang="de-DE" altLang="de-DE" sz="1600" b="0" i="0" u="none" strike="noStrike" cap="none" normalizeH="0" baseline="0" dirty="0" err="1" smtClean="0">
+                <a:ln>
+                  <a:noFill/>
+                </a:ln>
+                <a:solidFill>
+                  <a:srgbClr val="458383"/>
+                </a:solidFill>
+                <a:effectLst/>
+                <a:latin typeface="Courier New" panose="02070309020205020404" pitchFamily="49" charset="0"/>
+                <a:cs typeface="Courier New" panose="02070309020205020404" pitchFamily="49" charset="0"/>
+              </a:rPr>
+              <a:t>url</a:t>
+            </a:r>
+            <a:r>
+              <a:rPr kumimoji="0" lang="de-DE" altLang="de-DE" sz="1600" b="0" i="0" u="none" strike="noStrike" cap="none" normalizeH="0" baseline="0" dirty="0" smtClean="0">
+                <a:ln>
+                  <a:noFill/>
+                </a:ln>
+                <a:solidFill>
+                  <a:srgbClr val="458383"/>
+                </a:solidFill>
+                <a:effectLst/>
+                <a:latin typeface="Courier New" panose="02070309020205020404" pitchFamily="49" charset="0"/>
+                <a:cs typeface="Courier New" panose="02070309020205020404" pitchFamily="49" charset="0"/>
+              </a:rPr>
+              <a:t> </a:t>
+            </a:r>
+            <a:r>
+              <a:rPr kumimoji="0" lang="de-DE" altLang="de-DE" sz="1600" b="0" i="0" u="none" strike="noStrike" cap="none" normalizeH="0" baseline="0" dirty="0" smtClean="0">
+                <a:ln>
+                  <a:noFill/>
+                </a:ln>
+                <a:solidFill>
+                  <a:srgbClr val="000000"/>
+                </a:solidFill>
+                <a:effectLst/>
+                <a:latin typeface="Courier New" panose="02070309020205020404" pitchFamily="49" charset="0"/>
+                <a:cs typeface="Courier New" panose="02070309020205020404" pitchFamily="49" charset="0"/>
+              </a:rPr>
+              <a:t>= </a:t>
+            </a:r>
+            <a:r>
+              <a:rPr kumimoji="0" lang="de-DE" altLang="de-DE" sz="1600" b="1" i="0" u="none" strike="noStrike" cap="none" normalizeH="0" baseline="0" dirty="0" smtClean="0">
+                <a:ln>
+                  <a:noFill/>
+                </a:ln>
+                <a:solidFill>
+                  <a:srgbClr val="008000"/>
+                </a:solidFill>
+                <a:effectLst/>
+                <a:latin typeface="Courier New" panose="02070309020205020404" pitchFamily="49" charset="0"/>
+                <a:cs typeface="Courier New" panose="02070309020205020404" pitchFamily="49" charset="0"/>
+              </a:rPr>
+              <a:t>'https://www.openligadb.de/api/getbltable/'</a:t>
+            </a:r>
+            <a:r>
+              <a:rPr kumimoji="0" lang="de-DE" altLang="de-DE" sz="1600" b="0" i="0" u="none" strike="noStrike" cap="none" normalizeH="0" baseline="0" dirty="0" smtClean="0">
+                <a:ln>
+                  <a:noFill/>
+                </a:ln>
+                <a:solidFill>
+                  <a:srgbClr val="000000"/>
+                </a:solidFill>
+                <a:effectLst/>
+                <a:latin typeface="Courier New" panose="02070309020205020404" pitchFamily="49" charset="0"/>
+                <a:cs typeface="Courier New" panose="02070309020205020404" pitchFamily="49" charset="0"/>
+              </a:rPr>
+              <a:t>+liga+</a:t>
+            </a:r>
+            <a:r>
+              <a:rPr kumimoji="0" lang="de-DE" altLang="de-DE" sz="1600" b="1" i="0" u="none" strike="noStrike" cap="none" normalizeH="0" baseline="0" dirty="0" smtClean="0">
+                <a:ln>
+                  <a:noFill/>
+                </a:ln>
+                <a:solidFill>
+                  <a:srgbClr val="008000"/>
+                </a:solidFill>
+                <a:effectLst/>
+                <a:latin typeface="Courier New" panose="02070309020205020404" pitchFamily="49" charset="0"/>
+                <a:cs typeface="Courier New" panose="02070309020205020404" pitchFamily="49" charset="0"/>
+              </a:rPr>
+              <a:t>'/2018'</a:t>
+            </a:r>
+            <a:r>
+              <a:rPr kumimoji="0" lang="de-DE" altLang="de-DE" sz="1600" b="0" i="0" u="none" strike="noStrike" cap="none" normalizeH="0" baseline="0" dirty="0" smtClean="0">
+                <a:ln>
+                  <a:noFill/>
+                </a:ln>
+                <a:solidFill>
+                  <a:srgbClr val="000000"/>
+                </a:solidFill>
+                <a:effectLst/>
+                <a:latin typeface="Courier New" panose="02070309020205020404" pitchFamily="49" charset="0"/>
+                <a:cs typeface="Courier New" panose="02070309020205020404" pitchFamily="49" charset="0"/>
+              </a:rPr>
+              <a:t>;</a:t>
+            </a:r>
+            <a:br>
+              <a:rPr kumimoji="0" lang="de-DE" altLang="de-DE" sz="1600" b="0" i="0" u="none" strike="noStrike" cap="none" normalizeH="0" baseline="0" dirty="0" smtClean="0">
+                <a:ln>
+                  <a:noFill/>
+                </a:ln>
+                <a:solidFill>
+                  <a:srgbClr val="000000"/>
+                </a:solidFill>
+                <a:effectLst/>
+                <a:latin typeface="Courier New" panose="02070309020205020404" pitchFamily="49" charset="0"/>
+                <a:cs typeface="Courier New" panose="02070309020205020404" pitchFamily="49" charset="0"/>
+              </a:rPr>
+            </a:br>
+            <a:r>
+              <a:rPr kumimoji="0" lang="de-DE" altLang="de-DE" sz="1600" b="0" i="0" u="none" strike="noStrike" cap="none" normalizeH="0" baseline="0" dirty="0" smtClean="0">
+                <a:ln>
+                  <a:noFill/>
+                </a:ln>
+                <a:solidFill>
+                  <a:srgbClr val="000000"/>
+                </a:solidFill>
+                <a:effectLst/>
+                <a:latin typeface="Courier New" panose="02070309020205020404" pitchFamily="49" charset="0"/>
+                <a:cs typeface="Courier New" panose="02070309020205020404" pitchFamily="49" charset="0"/>
+              </a:rPr>
+              <a:t>    </a:t>
+            </a:r>
+            <a:r>
+              <a:rPr kumimoji="0" lang="de-DE" altLang="de-DE" sz="1600" b="1" i="0" u="none" strike="noStrike" cap="none" normalizeH="0" baseline="0" dirty="0" err="1" smtClean="0">
+                <a:ln>
+                  <a:noFill/>
+                </a:ln>
+                <a:solidFill>
+                  <a:srgbClr val="000080"/>
+                </a:solidFill>
+                <a:effectLst/>
+                <a:latin typeface="Courier New" panose="02070309020205020404" pitchFamily="49" charset="0"/>
+                <a:cs typeface="Courier New" panose="02070309020205020404" pitchFamily="49" charset="0"/>
+              </a:rPr>
+              <a:t>return</a:t>
+            </a:r>
+            <a:r>
+              <a:rPr kumimoji="0" lang="de-DE" altLang="de-DE" sz="1600" b="1" i="0" u="none" strike="noStrike" cap="none" normalizeH="0" baseline="0" dirty="0" smtClean="0">
+                <a:ln>
+                  <a:noFill/>
+                </a:ln>
+                <a:solidFill>
+                  <a:srgbClr val="000080"/>
+                </a:solidFill>
+                <a:effectLst/>
+                <a:latin typeface="Courier New" panose="02070309020205020404" pitchFamily="49" charset="0"/>
+                <a:cs typeface="Courier New" panose="02070309020205020404" pitchFamily="49" charset="0"/>
+              </a:rPr>
+              <a:t> </a:t>
+            </a:r>
+            <a:r>
+              <a:rPr kumimoji="0" lang="de-DE" altLang="de-DE" sz="1600" b="0" i="0" u="none" strike="noStrike" cap="none" normalizeH="0" baseline="0" dirty="0" smtClean="0">
+                <a:ln>
+                  <a:noFill/>
+                </a:ln>
+                <a:solidFill>
+                  <a:srgbClr val="000000"/>
+                </a:solidFill>
+                <a:effectLst/>
+                <a:latin typeface="Courier New" panose="02070309020205020404" pitchFamily="49" charset="0"/>
+                <a:cs typeface="Courier New" panose="02070309020205020404" pitchFamily="49" charset="0"/>
+              </a:rPr>
+              <a:t>&lt;Observable&lt;</a:t>
+            </a:r>
+            <a:r>
+              <a:rPr kumimoji="0" lang="de-DE" altLang="de-DE" sz="1600" b="0" i="0" u="none" strike="noStrike" cap="none" normalizeH="0" baseline="0" dirty="0" err="1" smtClean="0">
+                <a:ln>
+                  <a:noFill/>
+                </a:ln>
+                <a:solidFill>
+                  <a:srgbClr val="000000"/>
+                </a:solidFill>
+                <a:effectLst/>
+                <a:latin typeface="Courier New" panose="02070309020205020404" pitchFamily="49" charset="0"/>
+                <a:cs typeface="Courier New" panose="02070309020205020404" pitchFamily="49" charset="0"/>
+              </a:rPr>
+              <a:t>TabelleMannschaft</a:t>
+            </a:r>
+            <a:r>
+              <a:rPr kumimoji="0" lang="de-DE" altLang="de-DE" sz="1600" b="0" i="0" u="none" strike="noStrike" cap="none" normalizeH="0" baseline="0" dirty="0" smtClean="0">
+                <a:ln>
+                  <a:noFill/>
+                </a:ln>
+                <a:solidFill>
+                  <a:srgbClr val="000000"/>
+                </a:solidFill>
+                <a:effectLst/>
+                <a:latin typeface="Courier New" panose="02070309020205020404" pitchFamily="49" charset="0"/>
+                <a:cs typeface="Courier New" panose="02070309020205020404" pitchFamily="49" charset="0"/>
+              </a:rPr>
+              <a:t>[]&gt;&gt;</a:t>
+            </a:r>
+            <a:r>
+              <a:rPr kumimoji="0" lang="de-DE" altLang="de-DE" sz="1600" b="1" i="0" u="none" strike="noStrike" cap="none" normalizeH="0" baseline="0" dirty="0" err="1" smtClean="0">
+                <a:ln>
+                  <a:noFill/>
+                </a:ln>
+                <a:solidFill>
+                  <a:srgbClr val="000080"/>
+                </a:solidFill>
+                <a:effectLst/>
+                <a:latin typeface="Courier New" panose="02070309020205020404" pitchFamily="49" charset="0"/>
+                <a:cs typeface="Courier New" panose="02070309020205020404" pitchFamily="49" charset="0"/>
+              </a:rPr>
+              <a:t>this</a:t>
+            </a:r>
+            <a:r>
+              <a:rPr kumimoji="0" lang="de-DE" altLang="de-DE" sz="1600" b="0" i="0" u="none" strike="noStrike" cap="none" normalizeH="0" baseline="0" dirty="0" err="1" smtClean="0">
+                <a:ln>
+                  <a:noFill/>
+                </a:ln>
+                <a:solidFill>
+                  <a:srgbClr val="000000"/>
+                </a:solidFill>
+                <a:effectLst/>
+                <a:latin typeface="Courier New" panose="02070309020205020404" pitchFamily="49" charset="0"/>
+                <a:cs typeface="Courier New" panose="02070309020205020404" pitchFamily="49" charset="0"/>
+              </a:rPr>
+              <a:t>.</a:t>
+            </a:r>
+            <a:r>
+              <a:rPr kumimoji="0" lang="de-DE" altLang="de-DE" sz="1600" b="1" i="0" u="none" strike="noStrike" cap="none" normalizeH="0" baseline="0" dirty="0" err="1" smtClean="0">
+                <a:ln>
+                  <a:noFill/>
+                </a:ln>
+                <a:solidFill>
+                  <a:srgbClr val="660E7A"/>
+                </a:solidFill>
+                <a:effectLst/>
+                <a:latin typeface="Courier New" panose="02070309020205020404" pitchFamily="49" charset="0"/>
+                <a:cs typeface="Courier New" panose="02070309020205020404" pitchFamily="49" charset="0"/>
+              </a:rPr>
+              <a:t>httpClient</a:t>
+            </a:r>
+            <a:r>
+              <a:rPr kumimoji="0" lang="de-DE" altLang="de-DE" sz="1600" b="0" i="0" u="none" strike="noStrike" cap="none" normalizeH="0" baseline="0" dirty="0" err="1" smtClean="0">
+                <a:ln>
+                  <a:noFill/>
+                </a:ln>
+                <a:solidFill>
+                  <a:srgbClr val="000000"/>
+                </a:solidFill>
+                <a:effectLst/>
+                <a:latin typeface="Courier New" panose="02070309020205020404" pitchFamily="49" charset="0"/>
+                <a:cs typeface="Courier New" panose="02070309020205020404" pitchFamily="49" charset="0"/>
+              </a:rPr>
+              <a:t>.</a:t>
+            </a:r>
+            <a:r>
+              <a:rPr kumimoji="0" lang="de-DE" altLang="de-DE" sz="1600" b="0" i="0" u="none" strike="noStrike" cap="none" normalizeH="0" baseline="0" dirty="0" err="1" smtClean="0">
+                <a:ln>
+                  <a:noFill/>
+                </a:ln>
+                <a:solidFill>
+                  <a:srgbClr val="7A7A43"/>
+                </a:solidFill>
+                <a:effectLst/>
+                <a:latin typeface="Courier New" panose="02070309020205020404" pitchFamily="49" charset="0"/>
+                <a:cs typeface="Courier New" panose="02070309020205020404" pitchFamily="49" charset="0"/>
+              </a:rPr>
+              <a:t>get</a:t>
+            </a:r>
+            <a:r>
+              <a:rPr kumimoji="0" lang="de-DE" altLang="de-DE" sz="1600" b="0" i="0" u="none" strike="noStrike" cap="none" normalizeH="0" baseline="0" dirty="0" smtClean="0">
+                <a:ln>
+                  <a:noFill/>
+                </a:ln>
+                <a:solidFill>
+                  <a:srgbClr val="000000"/>
+                </a:solidFill>
+                <a:effectLst/>
+                <a:latin typeface="Courier New" panose="02070309020205020404" pitchFamily="49" charset="0"/>
+                <a:cs typeface="Courier New" panose="02070309020205020404" pitchFamily="49" charset="0"/>
+              </a:rPr>
+              <a:t>(</a:t>
+            </a:r>
+            <a:r>
+              <a:rPr kumimoji="0" lang="de-DE" altLang="de-DE" sz="1600" b="0" i="0" u="none" strike="noStrike" cap="none" normalizeH="0" baseline="0" dirty="0" err="1" smtClean="0">
+                <a:ln>
+                  <a:noFill/>
+                </a:ln>
+                <a:solidFill>
+                  <a:srgbClr val="458383"/>
+                </a:solidFill>
+                <a:effectLst/>
+                <a:latin typeface="Courier New" panose="02070309020205020404" pitchFamily="49" charset="0"/>
+                <a:cs typeface="Courier New" panose="02070309020205020404" pitchFamily="49" charset="0"/>
+              </a:rPr>
+              <a:t>url</a:t>
+            </a:r>
+            <a:r>
+              <a:rPr kumimoji="0" lang="de-DE" altLang="de-DE" sz="1600" b="0" i="0" u="none" strike="noStrike" cap="none" normalizeH="0" baseline="0" dirty="0" smtClean="0">
+                <a:ln>
+                  <a:noFill/>
+                </a:ln>
+                <a:solidFill>
+                  <a:srgbClr val="000000"/>
+                </a:solidFill>
+                <a:effectLst/>
+                <a:latin typeface="Courier New" panose="02070309020205020404" pitchFamily="49" charset="0"/>
+                <a:cs typeface="Courier New" panose="02070309020205020404" pitchFamily="49" charset="0"/>
+              </a:rPr>
+              <a:t>);</a:t>
+            </a:r>
+            <a:br>
+              <a:rPr kumimoji="0" lang="de-DE" altLang="de-DE" sz="1600" b="0" i="0" u="none" strike="noStrike" cap="none" normalizeH="0" baseline="0" dirty="0" smtClean="0">
+                <a:ln>
+                  <a:noFill/>
+                </a:ln>
+                <a:solidFill>
+                  <a:srgbClr val="000000"/>
+                </a:solidFill>
+                <a:effectLst/>
+                <a:latin typeface="Courier New" panose="02070309020205020404" pitchFamily="49" charset="0"/>
+                <a:cs typeface="Courier New" panose="02070309020205020404" pitchFamily="49" charset="0"/>
+              </a:rPr>
+            </a:br>
+            <a:r>
+              <a:rPr kumimoji="0" lang="de-DE" altLang="de-DE" sz="1600" b="0" i="0" u="none" strike="noStrike" cap="none" normalizeH="0" baseline="0" dirty="0" smtClean="0">
+                <a:ln>
+                  <a:noFill/>
+                </a:ln>
+                <a:solidFill>
+                  <a:srgbClr val="000000"/>
+                </a:solidFill>
+                <a:effectLst/>
+                <a:latin typeface="Courier New" panose="02070309020205020404" pitchFamily="49" charset="0"/>
+                <a:cs typeface="Courier New" panose="02070309020205020404" pitchFamily="49" charset="0"/>
+              </a:rPr>
+              <a:t>  }</a:t>
+            </a:r>
+            <a:br>
+              <a:rPr kumimoji="0" lang="de-DE" altLang="de-DE" sz="1600" b="0" i="0" u="none" strike="noStrike" cap="none" normalizeH="0" baseline="0" dirty="0" smtClean="0">
+                <a:ln>
+                  <a:noFill/>
+                </a:ln>
+                <a:solidFill>
+                  <a:srgbClr val="000000"/>
+                </a:solidFill>
+                <a:effectLst/>
+                <a:latin typeface="Courier New" panose="02070309020205020404" pitchFamily="49" charset="0"/>
+                <a:cs typeface="Courier New" panose="02070309020205020404" pitchFamily="49" charset="0"/>
+              </a:rPr>
+            </a:br>
+            <a:r>
+              <a:rPr kumimoji="0" lang="de-DE" altLang="de-DE" sz="1600" b="0" i="0" u="none" strike="noStrike" cap="none" normalizeH="0" baseline="0" dirty="0" smtClean="0">
+                <a:ln>
+                  <a:noFill/>
+                </a:ln>
+                <a:solidFill>
+                  <a:srgbClr val="000000"/>
+                </a:solidFill>
+                <a:effectLst/>
+                <a:latin typeface="Courier New" panose="02070309020205020404" pitchFamily="49" charset="0"/>
+                <a:cs typeface="Courier New" panose="02070309020205020404" pitchFamily="49" charset="0"/>
+              </a:rPr>
+              <a:t>}</a:t>
+            </a:r>
+            <a:endParaRPr kumimoji="0" lang="de-DE" altLang="de-DE" sz="1600" b="0" i="0" u="none" strike="noStrike" cap="none" normalizeH="0" baseline="0" dirty="0" smtClean="0">
+              <a:ln>
+                <a:noFill/>
+              </a:ln>
+              <a:solidFill>
+                <a:schemeClr val="tx1"/>
+              </a:solidFill>
+              <a:effectLst/>
+              <a:latin typeface="Arial" panose="020B0604020202020204" pitchFamily="34" charset="0"/>
+            </a:endParaRPr>
           </a:p>
         </p:txBody>
       </p:sp>
@@ -6187,7 +9511,6 @@
               <a:rPr lang="en-GB" altLang="de-DE" sz="2400" dirty="0" smtClean="0"/>
               <a:t>Routing</a:t>
             </a:r>
-            <a:endParaRPr lang="en-GB" altLang="de-DE" sz="2400" dirty="0" smtClean="0"/>
           </a:p>
           <a:p>
             <a:pPr marL="457200" indent="-457200">
